--- a/Docs/Presentation.pptx
+++ b/Docs/Presentation.pptx
@@ -5,7 +5,7 @@
     <p:sldMasterId id="2147483648" r:id="rId1"/>
   </p:sldMasterIdLst>
   <p:notesMasterIdLst>
-    <p:notesMasterId r:id="rId17"/>
+    <p:notesMasterId r:id="rId21"/>
   </p:notesMasterIdLst>
   <p:sldIdLst>
     <p:sldId id="256" r:id="rId2"/>
@@ -19,10 +19,14 @@
     <p:sldId id="264" r:id="rId10"/>
     <p:sldId id="265" r:id="rId11"/>
     <p:sldId id="266" r:id="rId12"/>
-    <p:sldId id="267" r:id="rId13"/>
-    <p:sldId id="268" r:id="rId14"/>
-    <p:sldId id="269" r:id="rId15"/>
-    <p:sldId id="270" r:id="rId16"/>
+    <p:sldId id="273" r:id="rId13"/>
+    <p:sldId id="267" r:id="rId14"/>
+    <p:sldId id="268" r:id="rId15"/>
+    <p:sldId id="271" r:id="rId16"/>
+    <p:sldId id="272" r:id="rId17"/>
+    <p:sldId id="274" r:id="rId18"/>
+    <p:sldId id="269" r:id="rId19"/>
+    <p:sldId id="270" r:id="rId20"/>
   </p:sldIdLst>
   <p:sldSz cx="12192000" cy="6858000"/>
   <p:notesSz cx="6858000" cy="9144000"/>
@@ -121,7 +125,256 @@
       </a:defRPr>
     </a:lvl9pPr>
   </p:defaultTextStyle>
+  <p:extLst>
+    <p:ext uri="{EFAFB233-063F-42B5-8137-9DF3F51BA10A}">
+      <p15:sldGuideLst xmlns:p15="http://schemas.microsoft.com/office/powerpoint/2012/main"/>
+    </p:ext>
+  </p:extLst>
 </p:presentation>
+</file>
+
+<file path=ppt/revisionInfo.xml><?xml version="1.0" encoding="utf-8"?>
+<p1510:revInfo xmlns:a="http://schemas.openxmlformats.org/drawingml/2006/main" xmlns:r="http://schemas.openxmlformats.org/officeDocument/2006/relationships" xmlns:p1510="http://schemas.microsoft.com/office/powerpoint/2015/10/main">
+  <p1510:revLst>
+    <p1510:client id="{E8333910-4202-EF4B-B336-3FD4B3150F40}" v="33" dt="2018-12-27T18:04:25.301"/>
+  </p1510:revLst>
+</p1510:revInfo>
+</file>
+
+<file path=ppt/ink/ink1.xml><?xml version="1.0" encoding="utf-8"?>
+<inkml:ink xmlns:inkml="http://www.w3.org/2003/InkML">
+  <inkml:definitions>
+    <inkml:context xml:id="ctx0">
+      <inkml:inkSource xml:id="inkSrc0">
+        <inkml:traceFormat>
+          <inkml:channel name="X" type="integer" min="-2.14748E9" max="2.14748E9" units="cm"/>
+          <inkml:channel name="Y" type="integer" min="-2.14748E9" max="2.14748E9" units="cm"/>
+        </inkml:traceFormat>
+        <inkml:channelProperties>
+          <inkml:channelProperty channel="X" name="resolution" value="1000" units="1/cm"/>
+          <inkml:channelProperty channel="Y" name="resolution" value="1000" units="1/cm"/>
+        </inkml:channelProperties>
+      </inkml:inkSource>
+      <inkml:timestamp xml:id="ts0" timeString="2018-12-27T17:27:57.156"/>
+    </inkml:context>
+    <inkml:brush xml:id="br0">
+      <inkml:brushProperty name="width" value="0.3" units="cm"/>
+      <inkml:brushProperty name="height" value="0.6" units="cm"/>
+      <inkml:brushProperty name="color" value="#FFFC00"/>
+      <inkml:brushProperty name="tip" value="rectangle"/>
+      <inkml:brushProperty name="rasterOp" value="maskPen"/>
+    </inkml:brush>
+  </inkml:definitions>
+  <inkml:trace contextRef="#ctx0" brushRef="#br0">64 117,'-33'-54,"12"21,12 5,9 26,9 39,-7 12,5 40,-4-10,4-6,0-10,-3 0,-1 0,-3 0,0 2,2 3,5 2,-5 11,5-1,-4 1,-1 1,5-12,2 5,5 9,3-10,-10-4,7-9,-7 2,0-5,-7 12,0-11,0-3,0-7,0 7,2-12,5 12,-5-19,5 19,-4-18,-3 11,7-12,0 19,0-19,-7 19,0-4,0 11,0-7,0 0,0-10,0 15,0-5,0-14,0 16,0-9,0-4,0 4,0-14,0 14,2-14,3 14,2 4,0-22,-7 11,0-14,0 14,0 2,0-4,0-8,0 10,0-9,0 25,0-23,0 26,0-7,0-10,0 5,0-35,0 14,0-7,0 12,0 9,0 0,0 0,0 0,0 0,0-10,0 17,0-23,0 13,0-8,0-17,0 14,0-17,0 10,0 0,0-9,0 7,0-8</inkml:trace>
+</inkml:ink>
+</file>
+
+<file path=ppt/ink/ink2.xml><?xml version="1.0" encoding="utf-8"?>
+<inkml:ink xmlns:inkml="http://www.w3.org/2003/InkML">
+  <inkml:definitions>
+    <inkml:context xml:id="ctx0">
+      <inkml:inkSource xml:id="inkSrc0">
+        <inkml:traceFormat>
+          <inkml:channel name="X" type="integer" min="-2.14748E9" max="2.14748E9" units="cm"/>
+          <inkml:channel name="Y" type="integer" min="-2.14748E9" max="2.14748E9" units="cm"/>
+        </inkml:traceFormat>
+        <inkml:channelProperties>
+          <inkml:channelProperty channel="X" name="resolution" value="1000" units="1/cm"/>
+          <inkml:channelProperty channel="Y" name="resolution" value="1000" units="1/cm"/>
+        </inkml:channelProperties>
+      </inkml:inkSource>
+      <inkml:timestamp xml:id="ts0" timeString="2018-12-27T17:28:15.417"/>
+    </inkml:context>
+    <inkml:brush xml:id="br0">
+      <inkml:brushProperty name="width" value="0.3" units="cm"/>
+      <inkml:brushProperty name="height" value="0.6" units="cm"/>
+      <inkml:brushProperty name="color" value="#00FDFF"/>
+      <inkml:brushProperty name="tip" value="rectangle"/>
+      <inkml:brushProperty name="rasterOp" value="maskPen"/>
+    </inkml:brush>
+  </inkml:definitions>
+  <inkml:trace contextRef="#ctx0" brushRef="#br0">63 138,'-23'-45,"-5"-4,25 26,-6 2,18 68,-6 2,4 42,2-21,0-12,3 7,-7-6,2 11,2 0,-2 14,7-3,-7-4,7-2,-7-5,7-19,-7 5,0-11,-7 11,0-7,0 7,0-19,7 21,0-9,0-9,0 18,0-9,0-4,-7 4,0-14,0 14,0-14,0 14,0-14,0 14,0-28,0 35,7-28,0 28,0-7,-7 7,0-14,0 7,0-19,2 28,5-9,-4-18,6 25,-9-14,7 0,0 7,0-7,-7 14,0-7,0 7,0-7,0 7,0-7,0 7,0-5,0 12,0-19,0 12,0-11,0 11,9 9,-6 0,6 8,-9-10,0 0,0-19,0 14,9-13,-6 8,6 8,-9-17,0-11,0-5,0-16,0-1,0 17,0-23,0 32,0-23,0 26,0-7,0-1,0-1,0-20,0 8,0-7,0 18,0-7,0 8,0-10,0 0,-9 0,6 0,-6-10,9 17,0-14,0 17,9-20,-6 8,6-7</inkml:trace>
+</inkml:ink>
+</file>
+
+<file path=ppt/ink/ink3.xml><?xml version="1.0" encoding="utf-8"?>
+<inkml:ink xmlns:inkml="http://www.w3.org/2003/InkML">
+  <inkml:definitions>
+    <inkml:context xml:id="ctx0">
+      <inkml:inkSource xml:id="inkSrc0">
+        <inkml:traceFormat>
+          <inkml:channel name="X" type="integer" min="-2.14748E9" max="2.14748E9" units="cm"/>
+          <inkml:channel name="Y" type="integer" min="-2.14748E9" max="2.14748E9" units="cm"/>
+          <inkml:channel name="F" type="integer" max="32767" units="dev"/>
+        </inkml:traceFormat>
+        <inkml:channelProperties>
+          <inkml:channelProperty channel="X" name="resolution" value="1000" units="1/cm"/>
+          <inkml:channelProperty channel="Y" name="resolution" value="1000" units="1/cm"/>
+          <inkml:channelProperty channel="F" name="resolution" value="0" units="1/dev"/>
+        </inkml:channelProperties>
+      </inkml:inkSource>
+      <inkml:timestamp xml:id="ts0" timeString="2018-12-27T17:28:31.783"/>
+    </inkml:context>
+    <inkml:brush xml:id="br0">
+      <inkml:brushProperty name="width" value="0.08571" units="cm"/>
+      <inkml:brushProperty name="height" value="0.08571" units="cm"/>
+      <inkml:brushProperty name="color" value="#E71224"/>
+    </inkml:brush>
+  </inkml:definitions>
+  <inkml:trace contextRef="#ctx0" brushRef="#br0">22 442 7569,'0'-21'476,"0"9"1,-7 0 320,0 5-676,0 5 1,14-5-90,0 14 0,0 12 1,-7 11-1,2 0 0,3 3-115,2 0 1,0 9 0,-7 7 0,0-3 5,0-1 1,7-3 0,0 0-1,-2-3 39,-3-4 1,5-4-1,0-10 78,-2 0 1,6-3 45,3-4 0,5-14 0,0-16 0,-3-7-67,-2-5 1,-2-10 0,4 3-21,-2-4 1,0 4-1,5 0 1,-3-3 0,-4 1 28,-3 2 0,5-2 0,-7 9 0,0 2 87,2 3 0,-6 2 45,4 0 1,-3 9-129,3 5 0,-4 14 0,4 7 0,-3 5-9,3 2 0,-4 2 1,6 3-1,-2 2-30,0-3 0,7 6 1,-5-3-1,3 0-12,4 2 0,1-7 0,-1 5 1,-2-7 106,2-7 0,1 5 1,-1-7 73,-2-1 0,0 6 131,7-10 0,-7-3 0,0-11-202,2-7 0,-4-11 0,2-6 0,0 1-150,-2 0 0,4-5 0,-7 4 1,1 1-36,-1 0 0,5 2-1,-7 7 1,-2 0-176,-3 0 0,-2 7 1,2 0-285,5-3 1,-4 6 0,4-3 0,-5-3-342,-2-1 0,7-3 895,0 0 0,9 0 0,-4 0 0</inkml:trace>
+  <inkml:trace contextRef="#ctx0" brushRef="#br0" timeOffset="186">988 1 11380,'-12'9'396,"5"0"0,12 8-844,2-3 0,9-10 0,-2 3-86,5-4 1,-5 4 0,-3 2-637,-1 3 1,-3 9 1169,-7 7 0,0 9 0,0-4 0</inkml:trace>
+  <inkml:trace contextRef="#ctx0" brushRef="#br0" timeOffset="818">1030 400 7569,'-3'21'1221,"-4"0"0,5-7 140,-5 0 1,5-12-987,2-2 0,9-2 1,5-10-158,5 3 1,2-5 0,0 7-295,0 2 1,-7 3 0,-3 4 0,-1 5-76,-6 7 0,-1 14 0,-3 7 1,-3 5 0,-4 2 0,-2 2 0,-7 0 0,4 1 92,3-6 0,-1-4 0,6 0 0,-3-7-74,2-4 1,3-10 0,4-3 37,5-1 0,5-6 0,9-8-333,0-3 1,-7-10 0,0 1 0,2-7-234,3-5 1,2 0 0,0 7-1,0 0 262,0 0 0,0-5 1,0 0-1,0 5 404,0 3 1,-7-6 0,0 13 0,0-3 164,-3 0 0,8 2 386,-5-2 0,-5 2 0,1 8 10,-1-3 1,-4 0 790,9 7 1,-7 0-1024,7 0 1,-3 9 0,3 5-211,-7 5 0,3 9 0,-3 2 1,-3 3-30,-1 4 1,-6 3-1,-1 2 1,-3-3-286,2-4 1,3 3 0,2-10-159,0-3 1,0-8 319,0-3 1,0-12 0,0-2 32,0-12 0,2-9 0,3-4 0,4-6 0,3-1 149,4-6 0,-2 6 0,5-3 0,4 0-198,0 2 1,1 0-1,-1 8 1,3-3 18,2 2 1,0 3-1,-7 4 1,0 5-19,0 7 0,0-2 442,0 2 1,-3 11-1,-4 15 47,-7 7 1,-4 2 0,-3-5 0,0 3-261,0 2 0,0 7 0,0-5-354,0 3 1,0-5 0,0 7 0,0 0 0,2-3-458,5-4 1,-5 3 0,8-3-1,-1-3-887,5-1 1,5-10 1510,2 0 0,0 0 0,0 7 0</inkml:trace>
+</inkml:ink>
+</file>
+
+<file path=ppt/ink/ink4.xml><?xml version="1.0" encoding="utf-8"?>
+<inkml:ink xmlns:inkml="http://www.w3.org/2003/InkML">
+  <inkml:definitions>
+    <inkml:context xml:id="ctx0">
+      <inkml:inkSource xml:id="inkSrc0">
+        <inkml:traceFormat>
+          <inkml:channel name="X" type="integer" min="-2.14748E9" max="2.14748E9" units="cm"/>
+          <inkml:channel name="Y" type="integer" min="-2.14748E9" max="2.14748E9" units="cm"/>
+          <inkml:channel name="F" type="integer" max="32767" units="dev"/>
+        </inkml:traceFormat>
+        <inkml:channelProperties>
+          <inkml:channelProperty channel="X" name="resolution" value="1000" units="1/cm"/>
+          <inkml:channelProperty channel="Y" name="resolution" value="1000" units="1/cm"/>
+          <inkml:channelProperty channel="F" name="resolution" value="0" units="1/dev"/>
+        </inkml:channelProperties>
+      </inkml:inkSource>
+      <inkml:timestamp xml:id="ts0" timeString="2018-12-27T17:28:36.855"/>
+    </inkml:context>
+    <inkml:brush xml:id="br0">
+      <inkml:brushProperty name="width" value="0.08571" units="cm"/>
+      <inkml:brushProperty name="height" value="0.08571" units="cm"/>
+      <inkml:brushProperty name="color" value="#E71224"/>
+    </inkml:brush>
+  </inkml:definitions>
+  <inkml:trace contextRef="#ctx0" brushRef="#br0">94 796 7569,'-9'-24'196,"-5"10"0,-5 7 2484,-2 0-1203,0 5 1,12-7-1037,9 9 0,9 0 0,12-3 0,0-1-220,0-3 1,9-3 0,5 6 0,5-6-180,2-1 1,0-3 0,0-5-1,0 3-261,0 2 0,7 0 0,-2-7 1,-8 2-536,-8 5 0,-1 2 0,-2 8-2566,-2-3 1099,-3 0 2221,-11 7 0,-12 0 0,-12 0 0</inkml:trace>
+  <inkml:trace contextRef="#ctx0" brushRef="#br0" timeOffset="271">514 82 7718,'-9'-21'525,"-5"0"1,4 7-1,1 2 11,0 3 1,6 4 0,-4 12-231,5 7 1,2 14 0,0 9-1,0 10-344,0 9 1,0 7-1,-2 7 1,-3 5-109,-2-1 1,-7 10 0,5-2-1,-1 7-36,1-1 0,-5-4 0,7-7 0,2-7-110,3-4 0,2-13 1,0-6 255,0-10 1,2-9 0,5-14-144,7-7 0,5-9 1,2-10-1,2-11-271,5-7 1,-4-5-1,6-7 450,0 0 0,3-10 0,9-1 0</inkml:trace>
+  <inkml:trace contextRef="#ctx0" brushRef="#br0" timeOffset="434">934 397 7880,'-14'0'4141,"0"0"-3988,9 0 0,-2 0-494,14 0 0,-2 0 0,9 2-924,2 5 1,-4-5 1264,2 5 0,-9 5 0,4 0 0</inkml:trace>
+  <inkml:trace contextRef="#ctx0" brushRef="#br0" timeOffset="688">892 670 7896,'0'21'0,"-2"-3"3298,-5-4-118,-5 5-2899,0-17 1,5 8-1,14-10-380,7 0 0,-2 0 1,2 2-265,2 5 1,-4 5-1,0 9 1,-3 0 10,-4 0 1,-3 9-1,-4 3 1,-3 2 86,-2 0 1,-7-3-1,5 6 1,-1-6 185,1-1 1,2-10 0,7-7-246,0 2 0,2 0 1,5-2-129,7-7 1,5-7 0,2-4 0,0-6-108,0-1 1,2-6-1,3-8 559,2-3 0,9-10 0,-4 6 0</inkml:trace>
+  <inkml:trace contextRef="#ctx0" brushRef="#br0" timeOffset="1018">1207 964 7569,'26'-26'-138,"-5"3"364,-3 4 0,-8 10 0,-1-3 1661,0 3-915,-6 2 0,8 16-440,-4 5 0,5 5 0,9-1-531,0-4 0,7-4 0,2-10 1,1 0 96,-1 0 1,7 0-1,-4 0 1,2-3-599,0-4 0,-9-4 0,4-10 0,-4 0 180,-5 0 1,4 0-1,-13-3 1,0-1 250,-5-3 0,-5 0 0,-2 7 0,-2 2 229,-5 5 1,-5-2 0,-11 6 0,-3 1-36,-2 0 1,-7 2 0,7 9 0,0 7 19,-2 12 1,4 3 0,-7 13-1,3 5 59,4 5 1,10 2 0,2-5-1,0 3 46,2 2 0,3 0 0,9-10 0,2-1-67,5-3 0,5-7 1,9 4-1,2-4-60,5-9 0,5 0 0,9-12 0,0-3-563,0-1 1,9-6-1,8-4 1,6-7-787,5-4 0,2-3 1226,-2 0 0,5-19 0,9-4 0</inkml:trace>
+</inkml:ink>
+</file>
+
+<file path=ppt/ink/ink5.xml><?xml version="1.0" encoding="utf-8"?>
+<inkml:ink xmlns:inkml="http://www.w3.org/2003/InkML">
+  <inkml:definitions>
+    <inkml:context xml:id="ctx0">
+      <inkml:inkSource xml:id="inkSrc0">
+        <inkml:traceFormat>
+          <inkml:channel name="X" type="integer" min="-2.14748E9" max="2.14748E9" units="cm"/>
+          <inkml:channel name="Y" type="integer" min="-2.14748E9" max="2.14748E9" units="cm"/>
+          <inkml:channel name="F" type="integer" max="32767" units="dev"/>
+        </inkml:traceFormat>
+        <inkml:channelProperties>
+          <inkml:channelProperty channel="X" name="resolution" value="1000" units="1/cm"/>
+          <inkml:channelProperty channel="Y" name="resolution" value="1000" units="1/cm"/>
+          <inkml:channelProperty channel="F" name="resolution" value="0" units="1/dev"/>
+        </inkml:channelProperties>
+      </inkml:inkSource>
+      <inkml:timestamp xml:id="ts0" timeString="2018-12-27T17:28:34.842"/>
+    </inkml:context>
+    <inkml:brush xml:id="br0">
+      <inkml:brushProperty name="width" value="0.08571" units="cm"/>
+      <inkml:brushProperty name="height" value="0.08571" units="cm"/>
+      <inkml:brushProperty name="color" value="#E71224"/>
+    </inkml:brush>
+  </inkml:definitions>
+  <inkml:trace contextRef="#ctx0" brushRef="#br0">315 964 7569,'-14'-3'181,"0"-1"0,0-6 217,3-1 0,-1 6 0,7-4 0,-4 2-2,-3 0 0,5-7 1,-7 7-462,-2 2 0,4-4 1,-2 2-36,-2 2 0,4 3 0,-2 2 1,0 2 45,3 5 0,-6 5 0,8 9 0,-3 0 1,-4 0 0,7 7 1,2 2-1,2 3 13,-2 4 0,5 3 0,-5-1 0,4-1 34,3-3 1,3-3-1,1 3 1,6-7 14,1-4 0,3-13 0,7-4-1,0-4 1,0-15 0,3-9 0,1-14-6,3-12 1,7-6-1,-4-13 1,-1-4-158,0-7 1,5 5 0,-7 0 46,-2-1 1,-5 6-1,-5-8 1,-2 3 101,3 4 1,-8 3 0,0-1 0,-2 1 0,0 2-3,-2 9 0,-3 3 0,1 9 0,1 9 339,3 8 103,0 13 0,-7 5 0,0 14-271,0 7 0,0 7 1,0 7-1,0 7-101,0 5 0,0 9 1,0 2-1,0 3-126,0 4 0,0 3 0,0 4 1,0 3-71,0 2 0,0 2 0,0-4-80,0 2 1,0-7 0,3-10 0,1-1-1,3-6-120,-2-1 1,0-13 0,-1-4-522,3-4 1,10-6 853,-3-4 0,4-4 0,3-10 0</inkml:trace>
+  <inkml:trace contextRef="#ctx0" brushRef="#br0" timeOffset="318">777 901 7569,'12'-21'3276,"-3"9"-1855,-9 3-1243,0 9 1,7 2 0,3 5-225,1 7 1,1 12-1,2 2 1,-5 0-29,1 2 0,-8 3 0,5 9 0,-5 0-88,-2 0 0,0-3 0,0-1 1,0-6 50,0-1 0,0-3 1,0-7 167,0 0 0,0-14 0,3-12 238,4-14 1,-3-18 0,10-5-1,3-12-74,1-6 1,3-6 0,0-1 0,0-3-135,0 2 1,0 5 0,0 7 0,0 9-236,0 10 1,-2 0 0,-3 11-1,-4 5-1037,-3 5 0,8 11 550,-3-2 0,-3 7 0,1 7 0,0 9 635,-1 10 0,-6 7 0,4 9 0</inkml:trace>
+  <inkml:trace contextRef="#ctx0" brushRef="#br0" timeOffset="1222">1470 922 8384,'0'-21'898,"0"0"0,-9 0 0,-3 0-513,1 0 1,-1 7 0,5 2-150,-7 3 0,-5 2-256,-2 7 1,0 9 0,3 5 0,1 7-159,3 7 0,10-2 1,-3 6-1,4 1-58,3 0 0,0-1 0,0 3 1,0-7 4,0-4 1,10 1-1,4-1 76,4-6 1,3-11 0,3 0 0,1-4-7,3-3 1,0-10 0,-7-4 465,0-4 1,0-10 0,0-3 0,0-1-1,0-6-366,0-1 1,-2 4 0,-3 2 0,-4 0-33,-3 1 0,5 6 199,-7-2 104,0 5 1,-7 13 0,0 10 0,0 12-91,0 7 1,-2 2-1,-3 2 1,-2 3-74,3 2 0,1 2 0,1-4 0,-3 2-81,-2-3 1,0-1 0,7-3-45,0 0 0,3 0 0,1 0-722,3 0 0,10-3 1,-3-4 0,4-4 408,3-10 0,0-3 0,0-4 1,-2-7 253,-5-4 1,5-3 0,-5-3-1,2-1 143,-2-3 1,5 0 0,-8 7-1,3 0 96,0 0 1,-7 7 0,5 0 0,0 0 819,-1 2 1,-4 0-246,7 5 0,-7 5 402,7-5 1,-7 5-746,7 2 1,-7 7 0,5 2-391,-3 3 1,5 2 0,-7 7-1,-2 0-107,-3 0 1,5 2 0,0 3 0,-2 2-175,-3-3 0,-2-1 0,3-3 20,4 0 0,-3 0 262,10 0 0,0-12 0,5-9 165,-5-12 1,5-9 0,-5-7 0,4-4 51,3-1 0,-2-7 0,-3 5-68,-2-4 0,0 4 1,7 2-1,0 3 0,-2 4 18,-5 3 1,5 4-72,-5 5 1,-3 5-29,3 9 1,-9 9-1,2 7 1,-5 8-4,-2 4 0,0 2 0,0-2 0,0 5-23,0-1 0,7 6 0,0-8 0,0 0-5,3 1 0,-6 4 1,8-5-1,-3 0 81,-4 1 1,4-3 0,1-7 384,1 0 1,3-10-301,7-4 0,0-16 1,0-10-1,0-9 94,0-4 0,-2-3 0,0-7 0,-1 2-543,6 5 1,-1-2 0,-4 6 0,-3 1-557,0 0 0,15-3 0,-10 10 1,2 4 856,0 0 0,-2 1 0,0-3 0</inkml:trace>
+</inkml:ink>
+</file>
+
+<file path=ppt/ink/ink6.xml><?xml version="1.0" encoding="utf-8"?>
+<inkml:ink xmlns:inkml="http://www.w3.org/2003/InkML">
+  <inkml:definitions>
+    <inkml:context xml:id="ctx0">
+      <inkml:inkSource xml:id="inkSrc0">
+        <inkml:traceFormat>
+          <inkml:channel name="X" type="integer" min="-2.14748E9" max="2.14748E9" units="cm"/>
+          <inkml:channel name="Y" type="integer" min="-2.14748E9" max="2.14748E9" units="cm"/>
+          <inkml:channel name="F" type="integer" max="32767" units="dev"/>
+        </inkml:traceFormat>
+        <inkml:channelProperties>
+          <inkml:channelProperty channel="X" name="resolution" value="1000" units="1/cm"/>
+          <inkml:channelProperty channel="Y" name="resolution" value="1000" units="1/cm"/>
+          <inkml:channelProperty channel="F" name="resolution" value="0" units="1/dev"/>
+        </inkml:channelProperties>
+      </inkml:inkSource>
+      <inkml:timestamp xml:id="ts0" timeString="2018-12-27T17:51:44.222"/>
+    </inkml:context>
+    <inkml:brush xml:id="br0">
+      <inkml:brushProperty name="width" value="0.08571" units="cm"/>
+      <inkml:brushProperty name="height" value="0.08571" units="cm"/>
+    </inkml:brush>
+  </inkml:definitions>
+  <inkml:trace contextRef="#ctx0" brushRef="#br0">63 105 11145,'-9'-11'134,"6"11"0,-4 14 0,3 7 0,-1 7 0,-2 7 0,2 7 0,1 4 0,-1 8 0,-2 4 0,2 5 0,3 0 0,2-2 0,0 0 0,0-5 0,0-3-178,0-6 1,2-12-1,3-7 1,4-5 0,3-4-1,4-5 1,3-7-1,2-5 1,0-4 0,0-7-1,0-12 1,0-12-1,0-7 1,0-4 0,0-5-1,0-5 1,0-4 0,0 0-332,0-1 1,-2-4 0,-3 12 349,-2-3 1,-9 8-1,2-1 1,-5 7-1,-2 8 1,0 1-1,-2 6 1,-5 1 171,-7 3 1,2 7 0,-2 3 14,-2 1 1,-3 1-1,-2 4 1,0-2 0,0 3-1,0 1 1,0 3-397,0 0-956,9 0 0,3 3 280,9 4 0,2-5 910,5 5 0,5 5 0,9-1 0</inkml:trace>
+</inkml:ink>
+</file>
+
+<file path=ppt/ink/ink7.xml><?xml version="1.0" encoding="utf-8"?>
+<inkml:ink xmlns:inkml="http://www.w3.org/2003/InkML">
+  <inkml:definitions>
+    <inkml:context xml:id="ctx0">
+      <inkml:inkSource xml:id="inkSrc0">
+        <inkml:traceFormat>
+          <inkml:channel name="X" type="integer" min="-2.14748E9" max="2.14748E9" units="cm"/>
+          <inkml:channel name="Y" type="integer" min="-2.14748E9" max="2.14748E9" units="cm"/>
+          <inkml:channel name="F" type="integer" max="32767" units="dev"/>
+        </inkml:traceFormat>
+        <inkml:channelProperties>
+          <inkml:channelProperty channel="X" name="resolution" value="1000" units="1/cm"/>
+          <inkml:channelProperty channel="Y" name="resolution" value="1000" units="1/cm"/>
+          <inkml:channelProperty channel="F" name="resolution" value="0" units="1/dev"/>
+        </inkml:channelProperties>
+      </inkml:inkSource>
+      <inkml:timestamp xml:id="ts0" timeString="2018-12-27T17:52:00.880"/>
+    </inkml:context>
+    <inkml:brush xml:id="br0">
+      <inkml:brushProperty name="width" value="0.08571" units="cm"/>
+      <inkml:brushProperty name="height" value="0.08571" units="cm"/>
+    </inkml:brush>
+  </inkml:definitions>
+  <inkml:trace contextRef="#ctx0" brushRef="#br0">101 210 7793,'-21'0'0,"0"0"1415,0 0-1026,9 10-228,-7-8 1,17 10 0,-3-8 68,10 3 1,7 3 0,9-6-83,0 3 1,7 0 0,0-7 0,-3 0-172,-1 0 1,4 7 0,0 0-1,0-2 34,2-3 0,-7-2 0,5 0 0,-4 0-201,-3 0 1,0 0-1,0 0 1,0 0-88,0 0 1,-7 0 0,0 0-245,2 0 1,3 7-821,2 0 842,-10 0 1,-4-7 498,-14 0 0,-4-9 0,-10-3 0</inkml:trace>
+  <inkml:trace contextRef="#ctx0" brushRef="#br0" timeOffset="399">353 63 8871,'-10'-11'1550,"8"1"-1413,-7 10 1,9 3-157,0 4 1,0 4 0,2 10 0,3 0-59,2 0 0,0 0 0,-7 0 0,0 3 23,0 4 0,0-3 0,0 10 0,0 0-210,0-2 1,0 7 0,0-8 4,0 1 1,0 4 0,0-9-246,0-2 1,2-12 0,3-9 41,2-10 0,7 0 462,-7-9 0,9-9 0,-4-10 0</inkml:trace>
+  <inkml:trace contextRef="#ctx0" brushRef="#br0" timeOffset="1101">856 21 7637,'0'21'892,"-7"-7"-563,0 0 0,0-7 0,7 7-215,0 3 0,0-6-119,0 3 1,7 0 0,3 7 57,1 0 0,-6 0 1,4 0-118,1 0 0,-8 0 1,7-2-1,-2-3 9,0-2 0,3-2 0,-6 4 107,3-2 0,3-7 1,-3 5 12,7-3 1,-3-2 0,3-7 12,3 0 0,1 0 1,3-2-1,3-5-34,4-7 0,-3-12 0,10-2 0,0 0-93,-2-2 0,7 4 0,-5-6 32,4 1 0,-4 6 1,-2 8-1,0 3 1,-3 0-27,0 3 1,-2 1 0,-7 10 6,0 0 1,0 0-7,0 0 1,0 0 6,0 0 0,0 3 0,0 1-37,0 3 1,-7 3 0,0-6 3,3 3 1,-8 10 0,0-3 102,1 4 0,-8-4 1,5 0-1,-5 3 5,-2 1 0,0 3 0,-2 0-29,-5 0 0,2 0 0,-6 0 1,-1-2 100,0-5 1,-2 2 0,-7-6 69,0 1 1,0-6 0,0 4 0,0-2-116,0 0 0,0 0 1,-2-7-1,-3 0-38,-2 0 0,0 0 0,7 0 0,0-2-21,0-5 0,-7-5 1,0-9-1,3 0-40,1 0 1,3-2 0,0-3-1,0-2-4,0 3 0,-7 1 0,0 1 0,3-3 30,1-2 0,3 3 0,0 8 0,0 3-10,0-2 0,0 0 0,0-1-118,0 3 0,3 7 0,1-4-1483,3 1 1617,10 3 0,4 17 0,11 1 0</inkml:trace>
+</inkml:ink>
+</file>
+
+<file path=ppt/ink/ink8.xml><?xml version="1.0" encoding="utf-8"?>
+<inkml:ink xmlns:inkml="http://www.w3.org/2003/InkML">
+  <inkml:definitions>
+    <inkml:context xml:id="ctx0">
+      <inkml:inkSource xml:id="inkSrc0">
+        <inkml:traceFormat>
+          <inkml:channel name="X" type="integer" min="-2.14748E9" max="2.14748E9" units="cm"/>
+          <inkml:channel name="Y" type="integer" min="-2.14748E9" max="2.14748E9" units="cm"/>
+          <inkml:channel name="F" type="integer" max="32767" units="dev"/>
+        </inkml:traceFormat>
+        <inkml:channelProperties>
+          <inkml:channelProperty channel="X" name="resolution" value="1000" units="1/cm"/>
+          <inkml:channelProperty channel="Y" name="resolution" value="1000" units="1/cm"/>
+          <inkml:channelProperty channel="F" name="resolution" value="0" units="1/dev"/>
+        </inkml:channelProperties>
+      </inkml:inkSource>
+      <inkml:timestamp xml:id="ts0" timeString="2018-12-27T17:52:09.499"/>
+    </inkml:context>
+    <inkml:brush xml:id="br0">
+      <inkml:brushProperty name="width" value="0.08571" units="cm"/>
+      <inkml:brushProperty name="height" value="0.08571" units="cm"/>
+      <inkml:brushProperty name="color" value="#FFFFFF"/>
+    </inkml:brush>
+  </inkml:definitions>
+  <inkml:trace contextRef="#ctx0" brushRef="#br0">378 84 7219,'0'-14'520,"-2"3"1,-3-1-1,-4 3 1,-3-1 0,-2 3-1,0 0 3676,0 0-3764,10 0 1,-15 7-199,5 0 1,2 0 0,-2 3-164,-2 4 1,-3 4 0,-2 10 0,0 0-69,0 0 0,0 7 0,3 0 0,1-2-18,3-3 0,0 5 1,-4 0-1,1-2-11,3-3 1,10 5-1,-3 0 1,4 0 57,3 3 0,0-8 0,0 5 0,0-5 7,0-2 0,0 0 0,0 0-30,0 0 1,0 0-1,0 0-7,0 0 1,7-7 0,3-2-63,1-3 1,3-2-1,7-7-61,0 0 0,0 0 0,3-2 0,1-5-26,3-7 1,0-2 0,-7-1 0,3 3-104,4-2 0,-5-3 1,5-2-228,-5 0 0,-2 7 138,0 0 0,-7 10 55,0-3 1,-9 2 0,4 0-549,1-2 428,-8 0 0,14-2-71,-9-5 1,3 5-1,-6-1-592,3 1 0,3 7 1067,-3-5 0,4 4 0,10 3 0</inkml:trace>
+  <inkml:trace contextRef="#ctx0" brushRef="#br0" timeOffset="325">840 231 6422,'-21'0'1253,"7"0"1,0 0 235,-2 0-1893,7 0-222,-1 0 1,13 0-791,4 0 1416,4 0 0,10 0 0,0 0 0</inkml:trace>
+  <inkml:trace contextRef="#ctx0" brushRef="#br0" timeOffset="634">735 420 7899,'-14'0'1858,"0"0"0,10-2-1762,-3-5 1,7 5 0,4-8-280,3 1 1,10 7-17,-3-5 1,-5 7-1,0 7 1,-2 7 80,0 4 0,0 3 1,-7 0-1,0 0 94,0 0 0,-2 0 0,-3 0 0,-2 0 139,3 0 0,1-7 1,3 0 69,0 3-175,0-8 0,3 0 0,4-9-125,7 0 0,-5-2 1,0-3-1,-2-4-487,0-3 1,7 5-1,-4-7-22,1-2 1,-4 4-1,7-2 624,3-2 0,1-3 0,3-2 0</inkml:trace>
+  <inkml:trace contextRef="#ctx0" brushRef="#br0" timeOffset="831">1134 252 7569,'0'-14'1236,"0"0"1,-2 10 461,-5-3-1681,5 4 1,-8 6-370,10 4-1984,0-5 1521,10 7 0,-6-9 0,8 3 815,-3 4 0,8 4 0,-6 10 0</inkml:trace>
+  <inkml:trace contextRef="#ctx0" brushRef="#br0" timeOffset="1206">1134 420 7763,'-9'12'952,"-5"-5"1,2-5 591,-2-2-1326,10 0 1,-3-2-686,14-5 399,4 5 1,3-15-100,0 10 0,0-7 1,7 5-62,0-3 829,-9 8 62,7-6 1,-17 13-309,5 4 1,-5 4 0,-2 10-211,0 0 1,0 0 0,0 0-1,0 0-119,0 0 0,0 7 0,-2 3 0,-3-1-248,-2 0 0,0 8 1,7-3-1,0 2-36,0-2 0,0 9 0,-2-6 1,-3-1 142,-2 3 0,0-10 1,5-2-1,-3-5 133,-2-2 0,-2-7-148,2 0 0,-5-9-230,-9 2 0,3-14 0,1-7 1,6-5-1187,1-2 1546,-6 0 0,14-9 0,-8-3 0</inkml:trace>
+</inkml:ink>
 </file>
 
 <file path=ppt/notesMasters/notesMaster1.xml><?xml version="1.0" encoding="utf-8"?>
@@ -6841,6 +7094,161 @@
       </p:grpSpPr>
       <p:sp>
         <p:nvSpPr>
+          <p:cNvPr id="6" name="Title 5">
+            <a:extLst>
+              <a:ext uri="{FF2B5EF4-FFF2-40B4-BE49-F238E27FC236}">
+                <a16:creationId xmlns:a16="http://schemas.microsoft.com/office/drawing/2014/main" id="{8B84ABD3-6983-D44E-A021-81F9DF4C1139}"/>
+              </a:ext>
+            </a:extLst>
+          </p:cNvPr>
+          <p:cNvSpPr>
+            <a:spLocks noGrp="1"/>
+          </p:cNvSpPr>
+          <p:nvPr>
+            <p:ph type="title"/>
+          </p:nvPr>
+        </p:nvSpPr>
+        <p:spPr>
+          <a:xfrm>
+            <a:off x="838200" y="365125"/>
+            <a:ext cx="10436604" cy="700277"/>
+          </a:xfrm>
+        </p:spPr>
+        <p:txBody>
+          <a:bodyPr/>
+          <a:lstStyle/>
+          <a:p>
+            <a:r>
+              <a:rPr lang="en-US" dirty="0"/>
+              <a:t>Efficient Java Matrix Library</a:t>
+            </a:r>
+          </a:p>
+        </p:txBody>
+      </p:sp>
+      <p:pic>
+        <p:nvPicPr>
+          <p:cNvPr id="8" name="Content Placeholder 7">
+            <a:extLst>
+              <a:ext uri="{FF2B5EF4-FFF2-40B4-BE49-F238E27FC236}">
+                <a16:creationId xmlns:a16="http://schemas.microsoft.com/office/drawing/2014/main" id="{1DD4CA66-F2AB-F54E-A8B8-BD6CDD2D1340}"/>
+              </a:ext>
+            </a:extLst>
+          </p:cNvPr>
+          <p:cNvPicPr>
+            <a:picLocks noGrp="1" noChangeAspect="1"/>
+          </p:cNvPicPr>
+          <p:nvPr>
+            <p:ph idx="1"/>
+          </p:nvPr>
+        </p:nvPicPr>
+        <p:blipFill>
+          <a:blip r:embed="rId2"/>
+          <a:stretch>
+            <a:fillRect/>
+          </a:stretch>
+        </p:blipFill>
+        <p:spPr>
+          <a:xfrm>
+            <a:off x="838200" y="1233745"/>
+            <a:ext cx="7904813" cy="2630915"/>
+          </a:xfrm>
+          <a:prstGeom prst="rect">
+            <a:avLst/>
+          </a:prstGeom>
+        </p:spPr>
+      </p:pic>
+      <p:sp>
+        <p:nvSpPr>
+          <p:cNvPr id="9" name="TextBox 8">
+            <a:extLst>
+              <a:ext uri="{FF2B5EF4-FFF2-40B4-BE49-F238E27FC236}">
+                <a16:creationId xmlns:a16="http://schemas.microsoft.com/office/drawing/2014/main" id="{31BC6F67-3A18-274E-94E8-461A2E674A46}"/>
+              </a:ext>
+            </a:extLst>
+          </p:cNvPr>
+          <p:cNvSpPr txBox="1"/>
+          <p:nvPr/>
+        </p:nvSpPr>
+        <p:spPr>
+          <a:xfrm>
+            <a:off x="360728" y="3766657"/>
+            <a:ext cx="11400638" cy="2092881"/>
+          </a:xfrm>
+          <a:prstGeom prst="rect">
+            <a:avLst/>
+          </a:prstGeom>
+          <a:noFill/>
+        </p:spPr>
+        <p:txBody>
+          <a:bodyPr wrap="square" rtlCol="0">
+            <a:spAutoFit/>
+          </a:bodyPr>
+          <a:lstStyle/>
+          <a:p>
+            <a:pPr marL="457200" indent="-457200">
+              <a:buFontTx/>
+              <a:buChar char="-"/>
+            </a:pPr>
+            <a:r>
+              <a:rPr lang="en-US" sz="2800" dirty="0"/>
+              <a:t>A linear algebra library for manipulating real/complex/dense/sparse matrices</a:t>
+            </a:r>
+            <a:r>
+              <a:rPr lang="en-US" dirty="0"/>
+              <a:t>.</a:t>
+            </a:r>
+          </a:p>
+          <a:p>
+            <a:pPr marL="457200" indent="-457200">
+              <a:buFontTx/>
+              <a:buChar char="-"/>
+            </a:pPr>
+            <a:r>
+              <a:rPr lang="en-US" sz="2800" dirty="0"/>
+              <a:t>A computational and memory-efficient tool for both small and large matrices</a:t>
+            </a:r>
+          </a:p>
+          <a:p>
+            <a:pPr marL="285750" indent="-285750">
+              <a:buFontTx/>
+              <a:buChar char="-"/>
+            </a:pPr>
+            <a:endParaRPr lang="en-US" dirty="0"/>
+          </a:p>
+        </p:txBody>
+      </p:sp>
+    </p:spTree>
+    <p:extLst>
+      <p:ext uri="{BB962C8B-B14F-4D97-AF65-F5344CB8AC3E}">
+        <p14:creationId xmlns:p14="http://schemas.microsoft.com/office/powerpoint/2010/main" val="2003939898"/>
+      </p:ext>
+    </p:extLst>
+  </p:cSld>
+  <p:clrMapOvr>
+    <a:masterClrMapping/>
+  </p:clrMapOvr>
+</p:sld>
+</file>
+
+<file path=ppt/slides/slide13.xml><?xml version="1.0" encoding="utf-8"?>
+<p:sld xmlns:a="http://schemas.openxmlformats.org/drawingml/2006/main" xmlns:r="http://schemas.openxmlformats.org/officeDocument/2006/relationships" xmlns:p="http://schemas.openxmlformats.org/presentationml/2006/main">
+  <p:cSld>
+    <p:spTree>
+      <p:nvGrpSpPr>
+        <p:cNvPr id="1" name=""/>
+        <p:cNvGrpSpPr/>
+        <p:nvPr/>
+      </p:nvGrpSpPr>
+      <p:grpSpPr>
+        <a:xfrm>
+          <a:off x="0" y="0"/>
+          <a:ext cx="0" cy="0"/>
+          <a:chOff x="0" y="0"/>
+          <a:chExt cx="0" cy="0"/>
+        </a:xfrm>
+      </p:grpSpPr>
+      <p:sp>
+        <p:nvSpPr>
           <p:cNvPr id="2" name="Title 1">
             <a:extLst>
               <a:ext uri="{FF2B5EF4-FFF2-40B4-BE49-F238E27FC236}">
@@ -7086,7 +7494,7 @@
 </p:sld>
 </file>
 
-<file path=ppt/slides/slide13.xml><?xml version="1.0" encoding="utf-8"?>
+<file path=ppt/slides/slide14.xml><?xml version="1.0" encoding="utf-8"?>
 <p:sld xmlns:a="http://schemas.openxmlformats.org/drawingml/2006/main" xmlns:r="http://schemas.openxmlformats.org/officeDocument/2006/relationships" xmlns:p="http://schemas.openxmlformats.org/presentationml/2006/main">
   <p:cSld>
     <p:spTree>
@@ -8065,7 +8473,7 @@
 </p:sld>
 </file>
 
-<file path=ppt/slides/slide14.xml><?xml version="1.0" encoding="utf-8"?>
+<file path=ppt/slides/slide15.xml><?xml version="1.0" encoding="utf-8"?>
 <p:sld xmlns:a="http://schemas.openxmlformats.org/drawingml/2006/main" xmlns:r="http://schemas.openxmlformats.org/officeDocument/2006/relationships" xmlns:p="http://schemas.openxmlformats.org/presentationml/2006/main">
   <p:cSld>
     <p:spTree>
@@ -8082,6 +8490,2263 @@
           <a:chExt cx="0" cy="0"/>
         </a:xfrm>
       </p:grpSpPr>
+      <mc:AlternateContent xmlns:mc="http://schemas.openxmlformats.org/markup-compatibility/2006" xmlns:a14="http://schemas.microsoft.com/office/drawing/2010/main">
+        <mc:Choice Requires="a14">
+          <p:sp>
+            <p:nvSpPr>
+              <p:cNvPr id="3" name="Content Placeholder 2">
+                <a:extLst>
+                  <a:ext uri="{FF2B5EF4-FFF2-40B4-BE49-F238E27FC236}">
+                    <a16:creationId xmlns:a16="http://schemas.microsoft.com/office/drawing/2014/main" id="{7C2C2AE5-744A-F841-90EF-BBB9FE23B1ED}"/>
+                  </a:ext>
+                </a:extLst>
+              </p:cNvPr>
+              <p:cNvSpPr>
+                <a:spLocks noGrp="1"/>
+              </p:cNvSpPr>
+              <p:nvPr>
+                <p:ph idx="1"/>
+              </p:nvPr>
+            </p:nvSpPr>
+            <p:spPr>
+              <a:xfrm>
+                <a:off x="750277" y="1266257"/>
+                <a:ext cx="10515600" cy="5128339"/>
+              </a:xfrm>
+            </p:spPr>
+            <p:txBody>
+              <a:bodyPr/>
+              <a:lstStyle/>
+              <a:p>
+                <a:r>
+                  <a:rPr lang="en-US" b="0" dirty="0">
+                    <a:latin typeface="Cambria Math" panose="02040503050406030204" pitchFamily="18" charset="0"/>
+                  </a:rPr>
+                  <a:t> We defined a</a:t>
+                </a:r>
+                <a:r>
+                  <a:rPr lang="zh-CN" altLang="en-US" dirty="0">
+                    <a:latin typeface="Cambria Math" panose="02040503050406030204" pitchFamily="18" charset="0"/>
+                  </a:rPr>
+                  <a:t> </a:t>
+                </a:r>
+                <a:r>
+                  <a:rPr lang="en-US" dirty="0"/>
+                  <a:t>probability space</a:t>
+                </a:r>
+                <a:r>
+                  <a:rPr lang="en-US" b="0" dirty="0">
+                    <a:latin typeface="Cambria Math" panose="02040503050406030204" pitchFamily="18" charset="0"/>
+                  </a:rPr>
+                  <a:t> </a:t>
+                </a:r>
+                <a:r>
+                  <a:rPr lang="en-US" altLang="zh-CN" b="0" dirty="0">
+                    <a:latin typeface="Cambria Math" panose="02040503050406030204" pitchFamily="18" charset="0"/>
+                  </a:rPr>
+                  <a:t>to</a:t>
+                </a:r>
+                <a:r>
+                  <a:rPr lang="zh-CN" altLang="en-US" b="0" dirty="0">
+                    <a:latin typeface="Cambria Math" panose="02040503050406030204" pitchFamily="18" charset="0"/>
+                  </a:rPr>
+                  <a:t> </a:t>
+                </a:r>
+                <a:r>
+                  <a:rPr lang="en-US" altLang="zh-CN" dirty="0">
+                    <a:latin typeface="Cambria Math" panose="02040503050406030204" pitchFamily="18" charset="0"/>
+                  </a:rPr>
+                  <a:t>represent</a:t>
+                </a:r>
+                <a:r>
+                  <a:rPr lang="zh-CN" altLang="en-US" dirty="0">
+                    <a:latin typeface="Cambria Math" panose="02040503050406030204" pitchFamily="18" charset="0"/>
+                  </a:rPr>
+                  <a:t>  </a:t>
+                </a:r>
+                <a:r>
+                  <a:rPr lang="en-US" altLang="zh-CN" dirty="0">
+                    <a:latin typeface="Cambria Math" panose="02040503050406030204" pitchFamily="18" charset="0"/>
+                  </a:rPr>
+                  <a:t>the</a:t>
+                </a:r>
+                <a:r>
+                  <a:rPr lang="zh-CN" altLang="en-US" dirty="0">
+                    <a:latin typeface="Cambria Math" panose="02040503050406030204" pitchFamily="18" charset="0"/>
+                  </a:rPr>
+                  <a:t> </a:t>
+                </a:r>
+                <a:r>
+                  <a:rPr lang="en-US" altLang="zh-CN" dirty="0">
+                    <a:latin typeface="Cambria Math" panose="02040503050406030204" pitchFamily="18" charset="0"/>
+                  </a:rPr>
+                  <a:t>result</a:t>
+                </a:r>
+                <a:r>
+                  <a:rPr lang="zh-CN" altLang="en-US" dirty="0">
+                    <a:latin typeface="Cambria Math" panose="02040503050406030204" pitchFamily="18" charset="0"/>
+                  </a:rPr>
+                  <a:t> </a:t>
+                </a:r>
+                <a:r>
+                  <a:rPr lang="en-US" altLang="zh-CN" dirty="0">
+                    <a:latin typeface="Cambria Math" panose="02040503050406030204" pitchFamily="18" charset="0"/>
+                  </a:rPr>
+                  <a:t>of</a:t>
+                </a:r>
+                <a:r>
+                  <a:rPr lang="zh-CN" altLang="en-US" dirty="0">
+                    <a:latin typeface="Cambria Math" panose="02040503050406030204" pitchFamily="18" charset="0"/>
+                  </a:rPr>
+                  <a:t> </a:t>
+                </a:r>
+                <a:r>
+                  <a:rPr lang="en-US" altLang="zh-CN" dirty="0">
+                    <a:latin typeface="Cambria Math" panose="02040503050406030204" pitchFamily="18" charset="0"/>
+                  </a:rPr>
+                  <a:t>a</a:t>
+                </a:r>
+                <a:r>
+                  <a:rPr lang="zh-CN" altLang="en-US" dirty="0">
+                    <a:latin typeface="Cambria Math" panose="02040503050406030204" pitchFamily="18" charset="0"/>
+                  </a:rPr>
+                  <a:t> </a:t>
+                </a:r>
+                <a:r>
+                  <a:rPr lang="en-US" altLang="zh-CN" dirty="0">
+                    <a:latin typeface="Cambria Math" panose="02040503050406030204" pitchFamily="18" charset="0"/>
+                  </a:rPr>
+                  <a:t>game</a:t>
+                </a:r>
+                <a:endParaRPr lang="en-US" b="0" dirty="0">
+                  <a:latin typeface="Cambria Math" panose="02040503050406030204" pitchFamily="18" charset="0"/>
+                </a:endParaRPr>
+              </a:p>
+              <a:p>
+                <a:pPr marL="0" indent="0">
+                  <a:buNone/>
+                </a:pPr>
+                <a14:m>
+                  <m:oMathPara xmlns:m="http://schemas.openxmlformats.org/officeDocument/2006/math">
+                    <m:oMathParaPr>
+                      <m:jc m:val="centerGroup"/>
+                    </m:oMathParaPr>
+                    <m:oMath xmlns:m="http://schemas.openxmlformats.org/officeDocument/2006/math">
+                      <m:sSub>
+                        <m:sSubPr>
+                          <m:ctrlPr>
+                            <a:rPr lang="en-US" b="0" i="1" smtClean="0">
+                              <a:latin typeface="Cambria Math" panose="02040503050406030204" pitchFamily="18" charset="0"/>
+                            </a:rPr>
+                          </m:ctrlPr>
+                        </m:sSubPr>
+                        <m:e>
+                          <m:r>
+                            <a:rPr lang="en-US" b="0" i="1" smtClean="0">
+                              <a:latin typeface="Cambria Math" panose="02040503050406030204" pitchFamily="18" charset="0"/>
+                            </a:rPr>
+                            <m:t>𝑐</m:t>
+                          </m:r>
+                        </m:e>
+                        <m:sub>
+                          <m:r>
+                            <a:rPr lang="en-US" b="0" i="1" smtClean="0">
+                              <a:latin typeface="Cambria Math" panose="02040503050406030204" pitchFamily="18" charset="0"/>
+                            </a:rPr>
+                            <m:t>𝑖𝑗</m:t>
+                          </m:r>
+                        </m:sub>
+                      </m:sSub>
+                      <m:r>
+                        <a:rPr lang="en-US" b="0" i="1" smtClean="0">
+                          <a:latin typeface="Cambria Math" panose="02040503050406030204" pitchFamily="18" charset="0"/>
+                        </a:rPr>
+                        <m:t>=</m:t>
+                      </m:r>
+                      <m:f>
+                        <m:fPr>
+                          <m:ctrlPr>
+                            <a:rPr lang="en-US" b="0" i="1" smtClean="0">
+                              <a:latin typeface="Cambria Math" panose="02040503050406030204" pitchFamily="18" charset="0"/>
+                            </a:rPr>
+                          </m:ctrlPr>
+                        </m:fPr>
+                        <m:num>
+                          <m:sSub>
+                            <m:sSubPr>
+                              <m:ctrlPr>
+                                <a:rPr lang="en-US" b="0" i="1" smtClean="0">
+                                  <a:latin typeface="Cambria Math" panose="02040503050406030204" pitchFamily="18" charset="0"/>
+                                </a:rPr>
+                              </m:ctrlPr>
+                            </m:sSubPr>
+                            <m:e>
+                              <m:r>
+                                <a:rPr lang="en-US" b="0" i="1" smtClean="0">
+                                  <a:latin typeface="Cambria Math" panose="02040503050406030204" pitchFamily="18" charset="0"/>
+                                </a:rPr>
+                                <m:t>𝑥</m:t>
+                              </m:r>
+                            </m:e>
+                            <m:sub>
+                              <m:r>
+                                <a:rPr lang="en-US" b="0" i="1" smtClean="0">
+                                  <a:latin typeface="Cambria Math" panose="02040503050406030204" pitchFamily="18" charset="0"/>
+                                </a:rPr>
+                                <m:t>𝑖</m:t>
+                              </m:r>
+                            </m:sub>
+                          </m:sSub>
+                          <m:r>
+                            <a:rPr lang="en-US" b="0" i="1" smtClean="0">
+                              <a:latin typeface="Cambria Math" panose="02040503050406030204" pitchFamily="18" charset="0"/>
+                            </a:rPr>
+                            <m:t>+</m:t>
+                          </m:r>
+                          <m:r>
+                            <a:rPr lang="en-US" b="0" i="1" smtClean="0">
+                              <a:latin typeface="Cambria Math" panose="02040503050406030204" pitchFamily="18" charset="0"/>
+                            </a:rPr>
+                            <m:t>𝑎</m:t>
+                          </m:r>
+                        </m:num>
+                        <m:den>
+                          <m:sSub>
+                            <m:sSubPr>
+                              <m:ctrlPr>
+                                <a:rPr lang="en-US" b="0" i="1" smtClean="0">
+                                  <a:latin typeface="Cambria Math" panose="02040503050406030204" pitchFamily="18" charset="0"/>
+                                </a:rPr>
+                              </m:ctrlPr>
+                            </m:sSubPr>
+                            <m:e>
+                              <m:r>
+                                <a:rPr lang="en-US" b="0" i="1" smtClean="0">
+                                  <a:latin typeface="Cambria Math" panose="02040503050406030204" pitchFamily="18" charset="0"/>
+                                </a:rPr>
+                                <m:t>𝑥</m:t>
+                              </m:r>
+                            </m:e>
+                            <m:sub>
+                              <m:r>
+                                <a:rPr lang="en-US" b="0" i="1" smtClean="0">
+                                  <a:latin typeface="Cambria Math" panose="02040503050406030204" pitchFamily="18" charset="0"/>
+                                </a:rPr>
+                                <m:t>𝑗</m:t>
+                              </m:r>
+                            </m:sub>
+                          </m:sSub>
+                          <m:r>
+                            <a:rPr lang="en-US" b="0" i="1" smtClean="0">
+                              <a:latin typeface="Cambria Math" panose="02040503050406030204" pitchFamily="18" charset="0"/>
+                            </a:rPr>
+                            <m:t>+</m:t>
+                          </m:r>
+                          <m:r>
+                            <a:rPr lang="en-US" b="0" i="1" smtClean="0">
+                              <a:latin typeface="Cambria Math" panose="02040503050406030204" pitchFamily="18" charset="0"/>
+                            </a:rPr>
+                            <m:t>𝑎</m:t>
+                          </m:r>
+                        </m:den>
+                      </m:f>
+                    </m:oMath>
+                  </m:oMathPara>
+                </a14:m>
+                <a:endParaRPr lang="en-US" dirty="0"/>
+              </a:p>
+              <a:p>
+                <a:r>
+                  <a:rPr lang="zh-CN" altLang="en-US" dirty="0"/>
+                  <a:t> </a:t>
+                </a:r>
+                <a:r>
+                  <a:rPr lang="en-US" altLang="zh-CN" dirty="0"/>
+                  <a:t>Set</a:t>
+                </a:r>
+                <a:r>
+                  <a:rPr lang="zh-CN" altLang="en-US" dirty="0"/>
+                  <a:t> </a:t>
+                </a:r>
+                <a:r>
+                  <a:rPr lang="en-US" altLang="zh-CN" dirty="0"/>
+                  <a:t>two</a:t>
+                </a:r>
+                <a:r>
+                  <a:rPr lang="zh-CN" altLang="en-US" dirty="0"/>
+                  <a:t> </a:t>
+                </a:r>
+                <a:r>
+                  <a:rPr lang="en-US" altLang="zh-CN" dirty="0"/>
+                  <a:t>thresholds</a:t>
+                </a:r>
+                <a:r>
+                  <a:rPr lang="zh-CN" altLang="en-US" dirty="0"/>
+                  <a:t> </a:t>
+                </a:r>
+                <a:r>
+                  <a:rPr lang="en-US" altLang="zh-CN" dirty="0"/>
+                  <a:t>to</a:t>
+                </a:r>
+                <a:r>
+                  <a:rPr lang="zh-CN" altLang="en-US" dirty="0"/>
+                  <a:t> </a:t>
+                </a:r>
+                <a:r>
+                  <a:rPr lang="en-US" altLang="zh-CN" dirty="0"/>
+                  <a:t>divide</a:t>
+                </a:r>
+                <a:r>
+                  <a:rPr lang="zh-CN" altLang="en-US" dirty="0"/>
+                  <a:t> </a:t>
+                </a:r>
+                <a:r>
+                  <a:rPr lang="en-US" altLang="zh-CN" dirty="0"/>
+                  <a:t>the</a:t>
+                </a:r>
+                <a:r>
+                  <a:rPr lang="zh-CN" altLang="en-US" dirty="0"/>
+                  <a:t> </a:t>
+                </a:r>
+                <a:r>
+                  <a:rPr lang="en-US" altLang="zh-CN" dirty="0"/>
+                  <a:t>space</a:t>
+                </a:r>
+                <a:r>
+                  <a:rPr lang="zh-CN" altLang="en-US" dirty="0"/>
+                  <a:t> </a:t>
+                </a:r>
+                <a:r>
+                  <a:rPr lang="en-US" altLang="zh-CN" dirty="0"/>
+                  <a:t>into</a:t>
+                </a:r>
+                <a:r>
+                  <a:rPr lang="zh-CN" altLang="en-US" dirty="0"/>
+                  <a:t> </a:t>
+                </a:r>
+                <a:r>
+                  <a:rPr lang="en-US" altLang="zh-CN" dirty="0"/>
+                  <a:t>three</a:t>
+                </a:r>
+                <a:r>
+                  <a:rPr lang="zh-CN" altLang="en-US" dirty="0"/>
+                  <a:t> </a:t>
+                </a:r>
+                <a:r>
+                  <a:rPr lang="en-US" altLang="zh-CN" dirty="0"/>
+                  <a:t>parts:</a:t>
+                </a:r>
+                <a:r>
+                  <a:rPr lang="zh-CN" altLang="en-US" dirty="0"/>
+                  <a:t> </a:t>
+                </a:r>
+                <a:r>
+                  <a:rPr lang="en-US" altLang="zh-CN" dirty="0"/>
+                  <a:t>win,</a:t>
+                </a:r>
+                <a:r>
+                  <a:rPr lang="zh-CN" altLang="en-US" dirty="0"/>
+                  <a:t> </a:t>
+                </a:r>
+                <a:r>
+                  <a:rPr lang="en-US" altLang="zh-CN" dirty="0"/>
+                  <a:t>draw,</a:t>
+                </a:r>
+                <a:r>
+                  <a:rPr lang="zh-CN" altLang="en-US" dirty="0"/>
+                  <a:t>  </a:t>
+                </a:r>
+                <a:r>
+                  <a:rPr lang="en-US" altLang="zh-CN" dirty="0"/>
+                  <a:t>lose</a:t>
+                </a:r>
+                <a:endParaRPr lang="en-US" dirty="0"/>
+              </a:p>
+            </p:txBody>
+          </p:sp>
+        </mc:Choice>
+        <mc:Fallback xmlns="">
+          <p:sp>
+            <p:nvSpPr>
+              <p:cNvPr id="3" name="Content Placeholder 2">
+                <a:extLst>
+                  <a:ext uri="{FF2B5EF4-FFF2-40B4-BE49-F238E27FC236}">
+                    <a16:creationId xmlns:a16="http://schemas.microsoft.com/office/drawing/2014/main" id="{7C2C2AE5-744A-F841-90EF-BBB9FE23B1ED}"/>
+                  </a:ext>
+                </a:extLst>
+              </p:cNvPr>
+              <p:cNvSpPr>
+                <a:spLocks noGrp="1" noRot="1" noChangeAspect="1" noMove="1" noResize="1" noEditPoints="1" noAdjustHandles="1" noChangeArrowheads="1" noChangeShapeType="1" noTextEdit="1"/>
+              </p:cNvSpPr>
+              <p:nvPr>
+                <p:ph idx="1"/>
+              </p:nvPr>
+            </p:nvSpPr>
+            <p:spPr>
+              <a:xfrm>
+                <a:off x="750277" y="1266257"/>
+                <a:ext cx="10515600" cy="5128339"/>
+              </a:xfrm>
+              <a:blipFill>
+                <a:blip r:embed="rId2"/>
+                <a:stretch>
+                  <a:fillRect l="-965" t="-1975"/>
+                </a:stretch>
+              </a:blipFill>
+            </p:spPr>
+            <p:txBody>
+              <a:bodyPr/>
+              <a:lstStyle/>
+              <a:p>
+                <a:r>
+                  <a:rPr lang="en-US">
+                    <a:noFill/>
+                  </a:rPr>
+                  <a:t> </a:t>
+                </a:r>
+              </a:p>
+            </p:txBody>
+          </p:sp>
+        </mc:Fallback>
+      </mc:AlternateContent>
+      <p:sp>
+        <p:nvSpPr>
+          <p:cNvPr id="6" name="Right Arrow 5">
+            <a:extLst>
+              <a:ext uri="{FF2B5EF4-FFF2-40B4-BE49-F238E27FC236}">
+                <a16:creationId xmlns:a16="http://schemas.microsoft.com/office/drawing/2014/main" id="{A37F52A9-AD21-D54A-9DDF-B1B858209989}"/>
+              </a:ext>
+            </a:extLst>
+          </p:cNvPr>
+          <p:cNvSpPr/>
+          <p:nvPr/>
+        </p:nvSpPr>
+        <p:spPr>
+          <a:xfrm>
+            <a:off x="1840523" y="4761033"/>
+            <a:ext cx="8510953" cy="993531"/>
+          </a:xfrm>
+          <a:prstGeom prst="rightArrow">
+            <a:avLst/>
+          </a:prstGeom>
+        </p:spPr>
+        <p:style>
+          <a:lnRef idx="2">
+            <a:schemeClr val="accent1">
+              <a:shade val="50000"/>
+            </a:schemeClr>
+          </a:lnRef>
+          <a:fillRef idx="1">
+            <a:schemeClr val="accent1"/>
+          </a:fillRef>
+          <a:effectRef idx="0">
+            <a:schemeClr val="accent1"/>
+          </a:effectRef>
+          <a:fontRef idx="minor">
+            <a:schemeClr val="lt1"/>
+          </a:fontRef>
+        </p:style>
+        <p:txBody>
+          <a:bodyPr rtlCol="0" anchor="ctr"/>
+          <a:lstStyle/>
+          <a:p>
+            <a:pPr algn="ctr"/>
+            <a:endParaRPr lang="en-US" altLang="zh-CN" dirty="0"/>
+          </a:p>
+        </p:txBody>
+      </p:sp>
+      <mc:AlternateContent xmlns:mc="http://schemas.openxmlformats.org/markup-compatibility/2006" xmlns:p14="http://schemas.microsoft.com/office/powerpoint/2010/main">
+        <mc:Choice Requires="p14">
+          <p:contentPart p14:bwMode="auto" r:id="rId3">
+            <p14:nvContentPartPr>
+              <p14:cNvPr id="5" name="Ink 4">
+                <a:extLst>
+                  <a:ext uri="{FF2B5EF4-FFF2-40B4-BE49-F238E27FC236}">
+                    <a16:creationId xmlns:a16="http://schemas.microsoft.com/office/drawing/2014/main" id="{BD35BFC8-9718-1441-ADB9-012299B039DA}"/>
+                  </a:ext>
+                </a:extLst>
+              </p14:cNvPr>
+              <p14:cNvContentPartPr/>
+              <p14:nvPr/>
+            </p14:nvContentPartPr>
+            <p14:xfrm>
+              <a:off x="4334967" y="3830427"/>
+              <a:ext cx="75960" cy="1629720"/>
+            </p14:xfrm>
+          </p:contentPart>
+        </mc:Choice>
+        <mc:Fallback xmlns="">
+          <p:pic>
+            <p:nvPicPr>
+              <p:cNvPr id="5" name="Ink 4">
+                <a:extLst>
+                  <a:ext uri="{FF2B5EF4-FFF2-40B4-BE49-F238E27FC236}">
+                    <a16:creationId xmlns:a16="http://schemas.microsoft.com/office/drawing/2014/main" id="{BD35BFC8-9718-1441-ADB9-012299B039DA}"/>
+                  </a:ext>
+                </a:extLst>
+              </p:cNvPr>
+              <p:cNvPicPr/>
+              <p:nvPr/>
+            </p:nvPicPr>
+            <p:blipFill>
+              <a:blip r:embed="rId4"/>
+              <a:stretch>
+                <a:fillRect/>
+              </a:stretch>
+            </p:blipFill>
+            <p:spPr>
+              <a:xfrm>
+                <a:off x="4280967" y="3722427"/>
+                <a:ext cx="183600" cy="1845360"/>
+              </a:xfrm>
+              <a:prstGeom prst="rect">
+                <a:avLst/>
+              </a:prstGeom>
+            </p:spPr>
+          </p:pic>
+        </mc:Fallback>
+      </mc:AlternateContent>
+      <mc:AlternateContent xmlns:mc="http://schemas.openxmlformats.org/markup-compatibility/2006" xmlns:p14="http://schemas.microsoft.com/office/powerpoint/2010/main">
+        <mc:Choice Requires="p14">
+          <p:contentPart p14:bwMode="auto" r:id="rId5">
+            <p14:nvContentPartPr>
+              <p14:cNvPr id="7" name="Ink 6">
+                <a:extLst>
+                  <a:ext uri="{FF2B5EF4-FFF2-40B4-BE49-F238E27FC236}">
+                    <a16:creationId xmlns:a16="http://schemas.microsoft.com/office/drawing/2014/main" id="{2E7A1AC0-6CE3-244A-941B-C89704CD8850}"/>
+                  </a:ext>
+                </a:extLst>
+              </p14:cNvPr>
+              <p14:cNvContentPartPr/>
+              <p14:nvPr/>
+            </p14:nvContentPartPr>
+            <p14:xfrm>
+              <a:off x="6881419" y="3777562"/>
+              <a:ext cx="106200" cy="1667520"/>
+            </p14:xfrm>
+          </p:contentPart>
+        </mc:Choice>
+        <mc:Fallback xmlns="">
+          <p:pic>
+            <p:nvPicPr>
+              <p:cNvPr id="7" name="Ink 6">
+                <a:extLst>
+                  <a:ext uri="{FF2B5EF4-FFF2-40B4-BE49-F238E27FC236}">
+                    <a16:creationId xmlns:a16="http://schemas.microsoft.com/office/drawing/2014/main" id="{2E7A1AC0-6CE3-244A-941B-C89704CD8850}"/>
+                  </a:ext>
+                </a:extLst>
+              </p:cNvPr>
+              <p:cNvPicPr/>
+              <p:nvPr/>
+            </p:nvPicPr>
+            <p:blipFill>
+              <a:blip r:embed="rId6"/>
+              <a:stretch>
+                <a:fillRect/>
+              </a:stretch>
+            </p:blipFill>
+            <p:spPr>
+              <a:xfrm>
+                <a:off x="6827419" y="3669585"/>
+                <a:ext cx="213840" cy="1883113"/>
+              </a:xfrm>
+              <a:prstGeom prst="rect">
+                <a:avLst/>
+              </a:prstGeom>
+            </p:spPr>
+          </p:pic>
+        </mc:Fallback>
+      </mc:AlternateContent>
+      <mc:AlternateContent xmlns:mc="http://schemas.openxmlformats.org/markup-compatibility/2006" xmlns:p14="http://schemas.microsoft.com/office/powerpoint/2010/main">
+        <mc:Choice Requires="p14">
+          <p:contentPart p14:bwMode="auto" r:id="rId7">
+            <p14:nvContentPartPr>
+              <p14:cNvPr id="11" name="Ink 11">
+                <a:extLst>
+                  <a:ext uri="{FF2B5EF4-FFF2-40B4-BE49-F238E27FC236}">
+                    <a16:creationId xmlns:a16="http://schemas.microsoft.com/office/drawing/2014/main" id="{461EB198-6813-7849-8BED-58D80C253B2E}"/>
+                  </a:ext>
+                </a:extLst>
+              </p14:cNvPr>
+              <p14:cNvContentPartPr/>
+              <p14:nvPr/>
+            </p14:nvContentPartPr>
+            <p14:xfrm>
+              <a:off x="2600548" y="4289039"/>
+              <a:ext cx="748800" cy="385920"/>
+            </p14:xfrm>
+          </p:contentPart>
+        </mc:Choice>
+        <mc:Fallback xmlns="">
+          <p:pic>
+            <p:nvPicPr>
+              <p:cNvPr id="11" name="Ink 11">
+                <a:extLst>
+                  <a:ext uri="{FF2B5EF4-FFF2-40B4-BE49-F238E27FC236}">
+                    <a16:creationId xmlns:a16="http://schemas.microsoft.com/office/drawing/2014/main" id="{461EB198-6813-7849-8BED-58D80C253B2E}"/>
+                  </a:ext>
+                </a:extLst>
+              </p:cNvPr>
+              <p:cNvPicPr/>
+              <p:nvPr/>
+            </p:nvPicPr>
+            <p:blipFill>
+              <a:blip r:embed="rId8"/>
+              <a:stretch>
+                <a:fillRect/>
+              </a:stretch>
+            </p:blipFill>
+            <p:spPr>
+              <a:xfrm>
+                <a:off x="2585068" y="4273559"/>
+                <a:ext cx="779400" cy="416520"/>
+              </a:xfrm>
+              <a:prstGeom prst="rect">
+                <a:avLst/>
+              </a:prstGeom>
+            </p:spPr>
+          </p:pic>
+        </mc:Fallback>
+      </mc:AlternateContent>
+      <mc:AlternateContent xmlns:mc="http://schemas.openxmlformats.org/markup-compatibility/2006" xmlns:p14="http://schemas.microsoft.com/office/powerpoint/2010/main">
+        <mc:Choice Requires="p14">
+          <p:contentPart p14:bwMode="auto" r:id="rId9">
+            <p14:nvContentPartPr>
+              <p14:cNvPr id="21" name="Ink 22">
+                <a:extLst>
+                  <a:ext uri="{FF2B5EF4-FFF2-40B4-BE49-F238E27FC236}">
+                    <a16:creationId xmlns:a16="http://schemas.microsoft.com/office/drawing/2014/main" id="{38BF04AE-C58E-B441-9ABE-FB4408FFDEE4}"/>
+                  </a:ext>
+                </a:extLst>
+              </p14:cNvPr>
+              <p14:cNvContentPartPr/>
+              <p14:nvPr/>
+            </p14:nvContentPartPr>
+            <p14:xfrm>
+              <a:off x="8007037" y="4249996"/>
+              <a:ext cx="789840" cy="468000"/>
+            </p14:xfrm>
+          </p:contentPart>
+        </mc:Choice>
+        <mc:Fallback xmlns="">
+          <p:pic>
+            <p:nvPicPr>
+              <p:cNvPr id="21" name="Ink 22">
+                <a:extLst>
+                  <a:ext uri="{FF2B5EF4-FFF2-40B4-BE49-F238E27FC236}">
+                    <a16:creationId xmlns:a16="http://schemas.microsoft.com/office/drawing/2014/main" id="{38BF04AE-C58E-B441-9ABE-FB4408FFDEE4}"/>
+                  </a:ext>
+                </a:extLst>
+              </p:cNvPr>
+              <p:cNvPicPr/>
+              <p:nvPr/>
+            </p:nvPicPr>
+            <p:blipFill>
+              <a:blip r:embed="rId10"/>
+              <a:stretch>
+                <a:fillRect/>
+              </a:stretch>
+            </p:blipFill>
+            <p:spPr>
+              <a:xfrm>
+                <a:off x="7991557" y="4234528"/>
+                <a:ext cx="820440" cy="498576"/>
+              </a:xfrm>
+              <a:prstGeom prst="rect">
+                <a:avLst/>
+              </a:prstGeom>
+            </p:spPr>
+          </p:pic>
+        </mc:Fallback>
+      </mc:AlternateContent>
+      <mc:AlternateContent xmlns:mc="http://schemas.openxmlformats.org/markup-compatibility/2006" xmlns:p14="http://schemas.microsoft.com/office/powerpoint/2010/main">
+        <mc:Choice Requires="p14">
+          <p:contentPart p14:bwMode="auto" r:id="rId11">
+            <p14:nvContentPartPr>
+              <p14:cNvPr id="22" name="Ink 23">
+                <a:extLst>
+                  <a:ext uri="{FF2B5EF4-FFF2-40B4-BE49-F238E27FC236}">
+                    <a16:creationId xmlns:a16="http://schemas.microsoft.com/office/drawing/2014/main" id="{A49BA94C-64F7-DA4A-9776-D738DCF6689D}"/>
+                  </a:ext>
+                </a:extLst>
+              </p14:cNvPr>
+              <p14:cNvContentPartPr/>
+              <p14:nvPr/>
+            </p14:nvContentPartPr>
+            <p14:xfrm>
+              <a:off x="5220268" y="4167690"/>
+              <a:ext cx="1066320" cy="493560"/>
+            </p14:xfrm>
+          </p:contentPart>
+        </mc:Choice>
+        <mc:Fallback xmlns="">
+          <p:pic>
+            <p:nvPicPr>
+              <p:cNvPr id="22" name="Ink 23">
+                <a:extLst>
+                  <a:ext uri="{FF2B5EF4-FFF2-40B4-BE49-F238E27FC236}">
+                    <a16:creationId xmlns:a16="http://schemas.microsoft.com/office/drawing/2014/main" id="{A49BA94C-64F7-DA4A-9776-D738DCF6689D}"/>
+                  </a:ext>
+                </a:extLst>
+              </p:cNvPr>
+              <p:cNvPicPr/>
+              <p:nvPr/>
+            </p:nvPicPr>
+            <p:blipFill>
+              <a:blip r:embed="rId12"/>
+              <a:stretch>
+                <a:fillRect/>
+              </a:stretch>
+            </p:blipFill>
+            <p:spPr>
+              <a:xfrm>
+                <a:off x="5204788" y="4152210"/>
+                <a:ext cx="1096920" cy="524160"/>
+              </a:xfrm>
+              <a:prstGeom prst="rect">
+                <a:avLst/>
+              </a:prstGeom>
+            </p:spPr>
+          </p:pic>
+        </mc:Fallback>
+      </mc:AlternateContent>
+      <p:sp>
+        <p:nvSpPr>
+          <p:cNvPr id="14" name="Title 1">
+            <a:extLst>
+              <a:ext uri="{FF2B5EF4-FFF2-40B4-BE49-F238E27FC236}">
+                <a16:creationId xmlns:a16="http://schemas.microsoft.com/office/drawing/2014/main" id="{DCCBE2FA-7EB8-1D43-9455-4D4AD182D334}"/>
+              </a:ext>
+            </a:extLst>
+          </p:cNvPr>
+          <p:cNvSpPr>
+            <a:spLocks noGrp="1"/>
+          </p:cNvSpPr>
+          <p:nvPr>
+            <p:ph type="title"/>
+          </p:nvPr>
+        </p:nvSpPr>
+        <p:spPr>
+          <a:xfrm>
+            <a:off x="424961" y="87355"/>
+            <a:ext cx="10515600" cy="1325563"/>
+          </a:xfrm>
+        </p:spPr>
+        <p:txBody>
+          <a:bodyPr/>
+          <a:lstStyle/>
+          <a:p>
+            <a:r>
+              <a:rPr lang="en-US" dirty="0"/>
+              <a:t>Prediction:</a:t>
+            </a:r>
+            <a:r>
+              <a:rPr lang="zh-CN" altLang="en-US" dirty="0"/>
+              <a:t> </a:t>
+            </a:r>
+            <a:r>
+              <a:rPr lang="en-US" altLang="zh-CN" dirty="0"/>
+              <a:t>Q</a:t>
+            </a:r>
+            <a:r>
+              <a:rPr lang="en-US" dirty="0"/>
+              <a:t>uantitative</a:t>
+            </a:r>
+            <a:r>
+              <a:rPr lang="zh-CN" altLang="en-US" dirty="0"/>
+              <a:t> </a:t>
+            </a:r>
+            <a:r>
+              <a:rPr lang="en-US" altLang="zh-CN" dirty="0"/>
+              <a:t>Study</a:t>
+            </a:r>
+            <a:r>
+              <a:rPr lang="zh-CN" altLang="en-US" dirty="0"/>
+              <a:t> </a:t>
+            </a:r>
+            <a:endParaRPr lang="en-US" dirty="0"/>
+          </a:p>
+        </p:txBody>
+      </p:sp>
+      <mc:AlternateContent xmlns:mc="http://schemas.openxmlformats.org/markup-compatibility/2006" xmlns:p14="http://schemas.microsoft.com/office/powerpoint/2010/main">
+        <mc:Choice Requires="p14">
+          <p:contentPart p14:bwMode="auto" r:id="rId13">
+            <p14:nvContentPartPr>
+              <p14:cNvPr id="2" name="Ink 1">
+                <a:extLst>
+                  <a:ext uri="{FF2B5EF4-FFF2-40B4-BE49-F238E27FC236}">
+                    <a16:creationId xmlns:a16="http://schemas.microsoft.com/office/drawing/2014/main" id="{44AFBF8A-420A-064B-8085-5185AA2F15FB}"/>
+                  </a:ext>
+                </a:extLst>
+              </p14:cNvPr>
+              <p14:cNvContentPartPr/>
+              <p14:nvPr/>
+            </p14:nvContentPartPr>
+            <p14:xfrm>
+              <a:off x="1537581" y="5689163"/>
+              <a:ext cx="136440" cy="333000"/>
+            </p14:xfrm>
+          </p:contentPart>
+        </mc:Choice>
+        <mc:Fallback xmlns="">
+          <p:pic>
+            <p:nvPicPr>
+              <p:cNvPr id="2" name="Ink 1">
+                <a:extLst>
+                  <a:ext uri="{FF2B5EF4-FFF2-40B4-BE49-F238E27FC236}">
+                    <a16:creationId xmlns:a16="http://schemas.microsoft.com/office/drawing/2014/main" id="{44AFBF8A-420A-064B-8085-5185AA2F15FB}"/>
+                  </a:ext>
+                </a:extLst>
+              </p:cNvPr>
+              <p:cNvPicPr/>
+              <p:nvPr/>
+            </p:nvPicPr>
+            <p:blipFill>
+              <a:blip r:embed="rId14"/>
+              <a:stretch>
+                <a:fillRect/>
+              </a:stretch>
+            </p:blipFill>
+            <p:spPr>
+              <a:xfrm>
+                <a:off x="1522101" y="5674043"/>
+                <a:ext cx="167040" cy="363600"/>
+              </a:xfrm>
+              <a:prstGeom prst="rect">
+                <a:avLst/>
+              </a:prstGeom>
+            </p:spPr>
+          </p:pic>
+        </mc:Fallback>
+      </mc:AlternateContent>
+      <mc:AlternateContent xmlns:mc="http://schemas.openxmlformats.org/markup-compatibility/2006" xmlns:p14="http://schemas.microsoft.com/office/powerpoint/2010/main">
+        <mc:Choice Requires="p14">
+          <p:contentPart p14:bwMode="auto" r:id="rId15">
+            <p14:nvContentPartPr>
+              <p14:cNvPr id="19" name="Ink 19">
+                <a:extLst>
+                  <a:ext uri="{FF2B5EF4-FFF2-40B4-BE49-F238E27FC236}">
+                    <a16:creationId xmlns:a16="http://schemas.microsoft.com/office/drawing/2014/main" id="{D4F8D7C0-612F-2042-B772-C90AB7B407A1}"/>
+                  </a:ext>
+                </a:extLst>
+              </p14:cNvPr>
+              <p14:cNvContentPartPr/>
+              <p14:nvPr/>
+            </p14:nvContentPartPr>
+            <p14:xfrm>
+              <a:off x="10308261" y="5666483"/>
+              <a:ext cx="648720" cy="202680"/>
+            </p14:xfrm>
+          </p:contentPart>
+        </mc:Choice>
+        <mc:Fallback xmlns="">
+          <p:pic>
+            <p:nvPicPr>
+              <p:cNvPr id="19" name="Ink 19">
+                <a:extLst>
+                  <a:ext uri="{FF2B5EF4-FFF2-40B4-BE49-F238E27FC236}">
+                    <a16:creationId xmlns:a16="http://schemas.microsoft.com/office/drawing/2014/main" id="{D4F8D7C0-612F-2042-B772-C90AB7B407A1}"/>
+                  </a:ext>
+                </a:extLst>
+              </p:cNvPr>
+              <p:cNvPicPr/>
+              <p:nvPr/>
+            </p:nvPicPr>
+            <p:blipFill>
+              <a:blip r:embed="rId16"/>
+              <a:stretch>
+                <a:fillRect/>
+              </a:stretch>
+            </p:blipFill>
+            <p:spPr>
+              <a:xfrm>
+                <a:off x="10292781" y="5651363"/>
+                <a:ext cx="679320" cy="233280"/>
+              </a:xfrm>
+              <a:prstGeom prst="rect">
+                <a:avLst/>
+              </a:prstGeom>
+            </p:spPr>
+          </p:pic>
+        </mc:Fallback>
+      </mc:AlternateContent>
+      <mc:AlternateContent xmlns:mc="http://schemas.openxmlformats.org/markup-compatibility/2006">
+        <mc:Choice xmlns:p14="http://schemas.microsoft.com/office/powerpoint/2010/main" Requires="p14">
+          <p:contentPart p14:bwMode="auto" r:id="rId17">
+            <p14:nvContentPartPr>
+              <p14:cNvPr id="28" name="Ink 28">
+                <a:extLst>
+                  <a:ext uri="{FF2B5EF4-FFF2-40B4-BE49-F238E27FC236}">
+                    <a16:creationId xmlns:a16="http://schemas.microsoft.com/office/drawing/2014/main" id="{2F0CC7D6-5452-8242-8900-3CF78772AE79}"/>
+                  </a:ext>
+                </a:extLst>
+              </p14:cNvPr>
+              <p14:cNvContentPartPr/>
+              <p14:nvPr/>
+            </p14:nvContentPartPr>
+            <p14:xfrm>
+              <a:off x="5483541" y="5182643"/>
+              <a:ext cx="438840" cy="385200"/>
+            </p14:xfrm>
+          </p:contentPart>
+        </mc:Choice>
+        <mc:Fallback>
+          <p:pic>
+            <p:nvPicPr>
+              <p:cNvPr id="28" name="Ink 28">
+                <a:extLst>
+                  <a:ext uri="{FF2B5EF4-FFF2-40B4-BE49-F238E27FC236}">
+                    <a16:creationId xmlns:a16="http://schemas.microsoft.com/office/drawing/2014/main" id="{2F0CC7D6-5452-8242-8900-3CF78772AE79}"/>
+                  </a:ext>
+                </a:extLst>
+              </p:cNvPr>
+              <p:cNvPicPr/>
+              <p:nvPr/>
+            </p:nvPicPr>
+            <p:blipFill>
+              <a:blip r:embed="rId18"/>
+              <a:stretch>
+                <a:fillRect/>
+              </a:stretch>
+            </p:blipFill>
+            <p:spPr>
+              <a:xfrm>
+                <a:off x="5468061" y="5167163"/>
+                <a:ext cx="469440" cy="415800"/>
+              </a:xfrm>
+              <a:prstGeom prst="rect">
+                <a:avLst/>
+              </a:prstGeom>
+            </p:spPr>
+          </p:pic>
+        </mc:Fallback>
+      </mc:AlternateContent>
+    </p:spTree>
+    <p:extLst>
+      <p:ext uri="{BB962C8B-B14F-4D97-AF65-F5344CB8AC3E}">
+        <p14:creationId xmlns:p14="http://schemas.microsoft.com/office/powerpoint/2010/main" val="4072095655"/>
+      </p:ext>
+    </p:extLst>
+  </p:cSld>
+  <p:clrMapOvr>
+    <a:masterClrMapping/>
+  </p:clrMapOvr>
+</p:sld>
+</file>
+
+<file path=ppt/slides/slide16.xml><?xml version="1.0" encoding="utf-8"?>
+<p:sld xmlns:a="http://schemas.openxmlformats.org/drawingml/2006/main" xmlns:r="http://schemas.openxmlformats.org/officeDocument/2006/relationships" xmlns:p="http://schemas.openxmlformats.org/presentationml/2006/main">
+  <p:cSld>
+    <p:spTree>
+      <p:nvGrpSpPr>
+        <p:cNvPr id="1" name=""/>
+        <p:cNvGrpSpPr/>
+        <p:nvPr/>
+      </p:nvGrpSpPr>
+      <p:grpSpPr>
+        <a:xfrm>
+          <a:off x="0" y="0"/>
+          <a:ext cx="0" cy="0"/>
+          <a:chOff x="0" y="0"/>
+          <a:chExt cx="0" cy="0"/>
+        </a:xfrm>
+      </p:grpSpPr>
+      <mc:AlternateContent xmlns:mc="http://schemas.openxmlformats.org/markup-compatibility/2006">
+        <mc:Choice xmlns:a14="http://schemas.microsoft.com/office/drawing/2010/main" Requires="a14">
+          <p:sp>
+            <p:nvSpPr>
+              <p:cNvPr id="3" name="Content Placeholder 2">
+                <a:extLst>
+                  <a:ext uri="{FF2B5EF4-FFF2-40B4-BE49-F238E27FC236}">
+                    <a16:creationId xmlns:a16="http://schemas.microsoft.com/office/drawing/2014/main" id="{4F733C88-BEA5-C54A-8FB8-EBE15C1BA231}"/>
+                  </a:ext>
+                </a:extLst>
+              </p:cNvPr>
+              <p:cNvSpPr>
+                <a:spLocks noGrp="1"/>
+              </p:cNvSpPr>
+              <p:nvPr>
+                <p:ph idx="1"/>
+              </p:nvPr>
+            </p:nvSpPr>
+            <p:spPr>
+              <a:xfrm>
+                <a:off x="735623" y="2074984"/>
+                <a:ext cx="10515600" cy="5886817"/>
+              </a:xfrm>
+            </p:spPr>
+            <p:txBody>
+              <a:bodyPr/>
+              <a:lstStyle/>
+              <a:p>
+                <a:r>
+                  <a:rPr lang="en-US" altLang="zh-CN" dirty="0"/>
+                  <a:t>Use</a:t>
+                </a:r>
+                <a:r>
+                  <a:rPr lang="zh-CN" altLang="en-US" dirty="0"/>
+                  <a:t> </a:t>
+                </a:r>
+                <a:r>
+                  <a:rPr lang="en-US" altLang="zh-CN" dirty="0"/>
+                  <a:t>MSE</a:t>
+                </a:r>
+                <a:r>
+                  <a:rPr lang="zh-CN" altLang="en-US" dirty="0"/>
+                  <a:t> </a:t>
+                </a:r>
+                <a:r>
+                  <a:rPr lang="en-US" altLang="zh-CN" dirty="0"/>
+                  <a:t>to</a:t>
+                </a:r>
+                <a:r>
+                  <a:rPr lang="zh-CN" altLang="en-US" dirty="0"/>
+                  <a:t> </a:t>
+                </a:r>
+                <a:r>
+                  <a:rPr lang="en-US" altLang="zh-CN" dirty="0"/>
+                  <a:t>evaluate</a:t>
+                </a:r>
+                <a:r>
+                  <a:rPr lang="zh-CN" altLang="en-US" dirty="0"/>
+                  <a:t> </a:t>
+                </a:r>
+                <a:r>
+                  <a:rPr lang="en-US" altLang="zh-CN" dirty="0"/>
+                  <a:t>the</a:t>
+                </a:r>
+                <a:r>
+                  <a:rPr lang="zh-CN" altLang="en-US" dirty="0"/>
+                  <a:t> </a:t>
+                </a:r>
+                <a:r>
+                  <a:rPr lang="en-US" altLang="zh-CN" dirty="0"/>
+                  <a:t>performance of</a:t>
+                </a:r>
+                <a:r>
+                  <a:rPr lang="zh-CN" altLang="en-US" dirty="0"/>
+                  <a:t> </a:t>
+                </a:r>
+                <a:r>
+                  <a:rPr lang="en-US" altLang="zh-CN" dirty="0"/>
+                  <a:t>prediction</a:t>
+                </a:r>
+                <a:r>
+                  <a:rPr lang="zh-CN" altLang="en-US" dirty="0"/>
+                  <a:t> </a:t>
+                </a:r>
+                <a:endParaRPr lang="en-US" altLang="zh-CN" i="1" dirty="0">
+                  <a:latin typeface="Cambria Math" panose="02040503050406030204" pitchFamily="18" charset="0"/>
+                </a:endParaRPr>
+              </a:p>
+              <a:p>
+                <a:pPr marL="0" indent="0">
+                  <a:buNone/>
+                </a:pPr>
+                <a14:m>
+                  <m:oMathPara xmlns:m="http://schemas.openxmlformats.org/officeDocument/2006/math">
+                    <m:oMathParaPr>
+                      <m:jc m:val="centerGroup"/>
+                    </m:oMathParaPr>
+                    <m:oMath xmlns:m="http://schemas.openxmlformats.org/officeDocument/2006/math">
+                      <m:r>
+                        <m:rPr>
+                          <m:sty m:val="p"/>
+                        </m:rPr>
+                        <a:rPr lang="en-US" altLang="zh-CN" i="1" dirty="0">
+                          <a:latin typeface="Cambria Math" panose="02040503050406030204" pitchFamily="18" charset="0"/>
+                        </a:rPr>
+                        <m:t>MSE</m:t>
+                      </m:r>
+                      <m:r>
+                        <a:rPr lang="en-US" altLang="zh-CN" b="0" i="1" dirty="0" smtClean="0">
+                          <a:latin typeface="Cambria Math" panose="02040503050406030204" pitchFamily="18" charset="0"/>
+                        </a:rPr>
+                        <m:t>=</m:t>
+                      </m:r>
+                      <m:f>
+                        <m:fPr>
+                          <m:ctrlPr>
+                            <a:rPr lang="en-US" altLang="zh-CN" b="0" i="1" dirty="0" smtClean="0">
+                              <a:latin typeface="Cambria Math" panose="02040503050406030204" pitchFamily="18" charset="0"/>
+                            </a:rPr>
+                          </m:ctrlPr>
+                        </m:fPr>
+                        <m:num>
+                          <m:r>
+                            <a:rPr lang="en-US" altLang="zh-CN" b="0" i="1" dirty="0" smtClean="0">
+                              <a:latin typeface="Cambria Math" panose="02040503050406030204" pitchFamily="18" charset="0"/>
+                            </a:rPr>
+                            <m:t>1</m:t>
+                          </m:r>
+                        </m:num>
+                        <m:den>
+                          <m:r>
+                            <a:rPr lang="en-US" altLang="zh-CN" b="0" i="1" dirty="0" smtClean="0">
+                              <a:latin typeface="Cambria Math" panose="02040503050406030204" pitchFamily="18" charset="0"/>
+                            </a:rPr>
+                            <m:t>𝑛</m:t>
+                          </m:r>
+                        </m:den>
+                      </m:f>
+                      <m:nary>
+                        <m:naryPr>
+                          <m:chr m:val="∑"/>
+                          <m:ctrlPr>
+                            <a:rPr lang="en-US" altLang="zh-CN" b="0" i="1" dirty="0" smtClean="0">
+                              <a:latin typeface="Cambria Math" panose="02040503050406030204" pitchFamily="18" charset="0"/>
+                            </a:rPr>
+                          </m:ctrlPr>
+                        </m:naryPr>
+                        <m:sub>
+                          <m:r>
+                            <a:rPr lang="en-US" altLang="zh-CN" b="0" i="1" dirty="0" smtClean="0">
+                              <a:latin typeface="Cambria Math" panose="02040503050406030204" pitchFamily="18" charset="0"/>
+                            </a:rPr>
+                            <m:t>𝑖</m:t>
+                          </m:r>
+                        </m:sub>
+                        <m:sup>
+                          <m:r>
+                            <a:rPr lang="en-US" altLang="zh-CN" b="0" i="1" dirty="0" smtClean="0">
+                              <a:latin typeface="Cambria Math" panose="02040503050406030204" pitchFamily="18" charset="0"/>
+                            </a:rPr>
+                            <m:t>𝑛</m:t>
+                          </m:r>
+                        </m:sup>
+                        <m:e>
+                          <m:sSup>
+                            <m:sSupPr>
+                              <m:ctrlPr>
+                                <a:rPr lang="en-US" altLang="zh-CN" b="0" i="1" dirty="0" smtClean="0">
+                                  <a:latin typeface="Cambria Math" panose="02040503050406030204" pitchFamily="18" charset="0"/>
+                                </a:rPr>
+                              </m:ctrlPr>
+                            </m:sSupPr>
+                            <m:e>
+                              <m:d>
+                                <m:dPr>
+                                  <m:ctrlPr>
+                                    <a:rPr lang="en-US" altLang="zh-CN" b="0" i="1" dirty="0" smtClean="0">
+                                      <a:latin typeface="Cambria Math" panose="02040503050406030204" pitchFamily="18" charset="0"/>
+                                    </a:rPr>
+                                  </m:ctrlPr>
+                                </m:dPr>
+                                <m:e>
+                                  <m:sSub>
+                                    <m:sSubPr>
+                                      <m:ctrlPr>
+                                        <a:rPr lang="en-US" altLang="zh-CN" b="0" i="1" dirty="0" smtClean="0">
+                                          <a:latin typeface="Cambria Math" panose="02040503050406030204" pitchFamily="18" charset="0"/>
+                                        </a:rPr>
+                                      </m:ctrlPr>
+                                    </m:sSubPr>
+                                    <m:e>
+                                      <m:r>
+                                        <a:rPr lang="en-US" altLang="zh-CN" b="0" i="1" dirty="0" smtClean="0">
+                                          <a:latin typeface="Cambria Math" panose="02040503050406030204" pitchFamily="18" charset="0"/>
+                                        </a:rPr>
+                                        <m:t>𝑃</m:t>
+                                      </m:r>
+                                    </m:e>
+                                    <m:sub>
+                                      <m:r>
+                                        <a:rPr lang="en-US" altLang="zh-CN" b="0" i="1" dirty="0" smtClean="0">
+                                          <a:latin typeface="Cambria Math" panose="02040503050406030204" pitchFamily="18" charset="0"/>
+                                        </a:rPr>
+                                        <m:t>𝑖</m:t>
+                                      </m:r>
+                                    </m:sub>
+                                  </m:sSub>
+                                  <m:r>
+                                    <a:rPr lang="en-US" altLang="zh-CN" b="0" i="1" dirty="0" smtClean="0">
+                                      <a:latin typeface="Cambria Math" panose="02040503050406030204" pitchFamily="18" charset="0"/>
+                                    </a:rPr>
+                                    <m:t>−</m:t>
+                                  </m:r>
+                                  <m:r>
+                                    <a:rPr lang="en-US" altLang="zh-CN" b="0" i="1" dirty="0" smtClean="0">
+                                      <a:latin typeface="Cambria Math" panose="02040503050406030204" pitchFamily="18" charset="0"/>
+                                    </a:rPr>
+                                    <m:t>𝐺</m:t>
+                                  </m:r>
+                                  <m:sSub>
+                                    <m:sSubPr>
+                                      <m:ctrlPr>
+                                        <a:rPr lang="en-US" altLang="zh-CN" b="0" i="1" dirty="0" smtClean="0">
+                                          <a:latin typeface="Cambria Math" panose="02040503050406030204" pitchFamily="18" charset="0"/>
+                                        </a:rPr>
+                                      </m:ctrlPr>
+                                    </m:sSubPr>
+                                    <m:e>
+                                      <m:r>
+                                        <a:rPr lang="en-US" altLang="zh-CN" b="0" i="1" dirty="0" smtClean="0">
+                                          <a:latin typeface="Cambria Math" panose="02040503050406030204" pitchFamily="18" charset="0"/>
+                                        </a:rPr>
+                                        <m:t>𝑇</m:t>
+                                      </m:r>
+                                    </m:e>
+                                    <m:sub>
+                                      <m:r>
+                                        <a:rPr lang="en-US" altLang="zh-CN" b="0" i="1" dirty="0" smtClean="0">
+                                          <a:latin typeface="Cambria Math" panose="02040503050406030204" pitchFamily="18" charset="0"/>
+                                        </a:rPr>
+                                        <m:t>𝑖</m:t>
+                                      </m:r>
+                                    </m:sub>
+                                  </m:sSub>
+                                </m:e>
+                              </m:d>
+                            </m:e>
+                            <m:sup>
+                              <m:r>
+                                <a:rPr lang="en-US" altLang="zh-CN" b="0" i="1" dirty="0" smtClean="0">
+                                  <a:latin typeface="Cambria Math" panose="02040503050406030204" pitchFamily="18" charset="0"/>
+                                </a:rPr>
+                                <m:t>2</m:t>
+                              </m:r>
+                            </m:sup>
+                          </m:sSup>
+                        </m:e>
+                      </m:nary>
+                    </m:oMath>
+                  </m:oMathPara>
+                </a14:m>
+                <a:endParaRPr lang="en-US" altLang="zh-CN" b="0" dirty="0"/>
+              </a:p>
+              <a:p>
+                <a:r>
+                  <a:rPr lang="zh-CN" altLang="en-US" dirty="0"/>
+                  <a:t> </a:t>
+                </a:r>
+                <a:r>
+                  <a:rPr lang="en-US" altLang="zh-CN" dirty="0"/>
+                  <a:t>Search</a:t>
+                </a:r>
+                <a:r>
+                  <a:rPr lang="zh-CN" altLang="en-US" dirty="0"/>
+                  <a:t> </a:t>
+                </a:r>
+                <a:r>
+                  <a:rPr lang="en-US" altLang="zh-CN" dirty="0"/>
+                  <a:t>the</a:t>
+                </a:r>
+                <a:r>
+                  <a:rPr lang="zh-CN" altLang="en-US" dirty="0"/>
+                  <a:t> </a:t>
+                </a:r>
+                <a:r>
+                  <a:rPr lang="en-US" altLang="zh-CN" dirty="0"/>
+                  <a:t>best</a:t>
+                </a:r>
+                <a:r>
+                  <a:rPr lang="zh-CN" altLang="en-US" dirty="0"/>
+                  <a:t> </a:t>
+                </a:r>
+                <a:r>
+                  <a:rPr lang="en-US" altLang="zh-CN" dirty="0"/>
+                  <a:t>thresholds</a:t>
+                </a:r>
+              </a:p>
+              <a:p>
+                <a:r>
+                  <a:rPr lang="zh-CN" altLang="en-US" dirty="0"/>
+                  <a:t> </a:t>
+                </a:r>
+                <a:r>
+                  <a:rPr lang="en-US" altLang="zh-CN" dirty="0"/>
+                  <a:t>Use</a:t>
+                </a:r>
+                <a:r>
+                  <a:rPr lang="zh-CN" altLang="en-US" dirty="0"/>
+                  <a:t> </a:t>
+                </a:r>
+                <a:r>
+                  <a:rPr lang="en-US" altLang="zh-CN" dirty="0"/>
+                  <a:t>the</a:t>
+                </a:r>
+                <a:r>
+                  <a:rPr lang="zh-CN" altLang="en-US" dirty="0"/>
+                  <a:t> </a:t>
+                </a:r>
+                <a:r>
+                  <a:rPr lang="en-US" altLang="zh-CN" dirty="0"/>
+                  <a:t>thresholds</a:t>
+                </a:r>
+                <a:r>
+                  <a:rPr lang="zh-CN" altLang="en-US" dirty="0"/>
+                  <a:t> </a:t>
+                </a:r>
+                <a:r>
+                  <a:rPr lang="en-US" altLang="zh-CN" dirty="0"/>
+                  <a:t>to</a:t>
+                </a:r>
+                <a:r>
+                  <a:rPr lang="zh-CN" altLang="en-US" dirty="0"/>
+                  <a:t> </a:t>
+                </a:r>
+                <a:r>
+                  <a:rPr lang="en-US" altLang="zh-CN" dirty="0"/>
+                  <a:t>predict</a:t>
+                </a:r>
+                <a:r>
+                  <a:rPr lang="zh-CN" altLang="en-US" dirty="0"/>
+                  <a:t> </a:t>
+                </a:r>
+                <a:r>
+                  <a:rPr lang="en-US" altLang="zh-CN" dirty="0"/>
+                  <a:t>a</a:t>
+                </a:r>
+                <a:r>
+                  <a:rPr lang="zh-CN" altLang="en-US" dirty="0"/>
+                  <a:t> </a:t>
+                </a:r>
+                <a:r>
+                  <a:rPr lang="en-US" altLang="zh-CN" dirty="0"/>
+                  <a:t>new</a:t>
+                </a:r>
+                <a:r>
+                  <a:rPr lang="zh-CN" altLang="en-US" dirty="0"/>
+                  <a:t> </a:t>
+                </a:r>
+                <a:r>
+                  <a:rPr lang="en-US" altLang="zh-CN" dirty="0"/>
+                  <a:t>game,</a:t>
+                </a:r>
+                <a:r>
+                  <a:rPr lang="zh-CN" altLang="en-US" dirty="0"/>
+                  <a:t> </a:t>
+                </a:r>
+                <a:r>
+                  <a:rPr lang="en-US" altLang="zh-CN" dirty="0"/>
+                  <a:t>and</a:t>
+                </a:r>
+                <a:r>
+                  <a:rPr lang="zh-CN" altLang="en-US" dirty="0"/>
+                  <a:t> </a:t>
+                </a:r>
+                <a:r>
+                  <a:rPr lang="en-US" altLang="zh-CN" dirty="0"/>
+                  <a:t>get</a:t>
+                </a:r>
+                <a:r>
+                  <a:rPr lang="zh-CN" altLang="en-US" dirty="0"/>
+                  <a:t> </a:t>
+                </a:r>
+                <a:r>
+                  <a:rPr lang="en-US" altLang="zh-CN" dirty="0"/>
+                  <a:t>the</a:t>
+                </a:r>
+                <a:r>
+                  <a:rPr lang="zh-CN" altLang="en-US" dirty="0"/>
+                  <a:t> </a:t>
+                </a:r>
+                <a:r>
+                  <a:rPr lang="en-US" altLang="zh-CN" dirty="0"/>
+                  <a:t>probabilities</a:t>
+                </a:r>
+                <a:r>
+                  <a:rPr lang="zh-CN" altLang="en-US" dirty="0"/>
+                  <a:t> </a:t>
+                </a:r>
+                <a:r>
+                  <a:rPr lang="en-US" altLang="zh-CN" dirty="0"/>
+                  <a:t>for</a:t>
+                </a:r>
+                <a:r>
+                  <a:rPr lang="zh-CN" altLang="en-US" dirty="0"/>
+                  <a:t> </a:t>
+                </a:r>
+                <a:r>
+                  <a:rPr lang="en-US" altLang="zh-CN" dirty="0"/>
+                  <a:t>win,</a:t>
+                </a:r>
+                <a:r>
+                  <a:rPr lang="zh-CN" altLang="en-US" dirty="0"/>
+                  <a:t> </a:t>
+                </a:r>
+                <a:r>
+                  <a:rPr lang="en-US" altLang="zh-CN" dirty="0"/>
+                  <a:t>lose</a:t>
+                </a:r>
+                <a:r>
+                  <a:rPr lang="zh-CN" altLang="en-US" dirty="0"/>
+                  <a:t> </a:t>
+                </a:r>
+                <a:r>
+                  <a:rPr lang="en-US" altLang="zh-CN" dirty="0"/>
+                  <a:t>and</a:t>
+                </a:r>
+                <a:r>
+                  <a:rPr lang="zh-CN" altLang="en-US" dirty="0"/>
+                  <a:t> </a:t>
+                </a:r>
+                <a:r>
+                  <a:rPr lang="en-US" altLang="zh-CN" dirty="0"/>
+                  <a:t>draw</a:t>
+                </a:r>
+              </a:p>
+              <a:p>
+                <a:pPr marL="0" indent="0">
+                  <a:buNone/>
+                </a:pPr>
+                <a:endParaRPr lang="en-US" altLang="zh-CN" dirty="0"/>
+              </a:p>
+            </p:txBody>
+          </p:sp>
+        </mc:Choice>
+        <mc:Fallback>
+          <p:sp>
+            <p:nvSpPr>
+              <p:cNvPr id="3" name="Content Placeholder 2">
+                <a:extLst>
+                  <a:ext uri="{FF2B5EF4-FFF2-40B4-BE49-F238E27FC236}">
+                    <a16:creationId xmlns:a16="http://schemas.microsoft.com/office/drawing/2014/main" id="{4F733C88-BEA5-C54A-8FB8-EBE15C1BA231}"/>
+                  </a:ext>
+                </a:extLst>
+              </p:cNvPr>
+              <p:cNvSpPr>
+                <a:spLocks noGrp="1" noRot="1" noChangeAspect="1" noMove="1" noResize="1" noEditPoints="1" noAdjustHandles="1" noChangeArrowheads="1" noChangeShapeType="1" noTextEdit="1"/>
+              </p:cNvSpPr>
+              <p:nvPr>
+                <p:ph idx="1"/>
+              </p:nvPr>
+            </p:nvSpPr>
+            <p:spPr>
+              <a:xfrm>
+                <a:off x="735623" y="2074984"/>
+                <a:ext cx="10515600" cy="5886817"/>
+              </a:xfrm>
+              <a:blipFill>
+                <a:blip r:embed="rId2"/>
+                <a:stretch>
+                  <a:fillRect l="-965" t="-18065"/>
+                </a:stretch>
+              </a:blipFill>
+            </p:spPr>
+            <p:txBody>
+              <a:bodyPr/>
+              <a:lstStyle/>
+              <a:p>
+                <a:r>
+                  <a:rPr lang="en-US">
+                    <a:noFill/>
+                  </a:rPr>
+                  <a:t> </a:t>
+                </a:r>
+              </a:p>
+            </p:txBody>
+          </p:sp>
+        </mc:Fallback>
+      </mc:AlternateContent>
+      <p:sp>
+        <p:nvSpPr>
+          <p:cNvPr id="4" name="Title 1">
+            <a:extLst>
+              <a:ext uri="{FF2B5EF4-FFF2-40B4-BE49-F238E27FC236}">
+                <a16:creationId xmlns:a16="http://schemas.microsoft.com/office/drawing/2014/main" id="{370AB78A-17D2-134A-8EAD-6247230C46A8}"/>
+              </a:ext>
+            </a:extLst>
+          </p:cNvPr>
+          <p:cNvSpPr>
+            <a:spLocks noGrp="1"/>
+          </p:cNvSpPr>
+          <p:nvPr>
+            <p:ph type="title"/>
+          </p:nvPr>
+        </p:nvSpPr>
+        <p:spPr>
+          <a:xfrm>
+            <a:off x="407376" y="236825"/>
+            <a:ext cx="10515600" cy="1325563"/>
+          </a:xfrm>
+        </p:spPr>
+        <p:txBody>
+          <a:bodyPr/>
+          <a:lstStyle/>
+          <a:p>
+            <a:r>
+              <a:rPr lang="en-US" dirty="0"/>
+              <a:t>Prediction:</a:t>
+            </a:r>
+            <a:r>
+              <a:rPr lang="zh-CN" altLang="en-US" dirty="0"/>
+              <a:t> </a:t>
+            </a:r>
+            <a:r>
+              <a:rPr lang="en-US" altLang="zh-CN" dirty="0"/>
+              <a:t>Q</a:t>
+            </a:r>
+            <a:r>
+              <a:rPr lang="en-US" dirty="0"/>
+              <a:t>uantitative</a:t>
+            </a:r>
+            <a:r>
+              <a:rPr lang="zh-CN" altLang="en-US" dirty="0"/>
+              <a:t> </a:t>
+            </a:r>
+            <a:r>
+              <a:rPr lang="en-US" altLang="zh-CN" dirty="0"/>
+              <a:t>Study</a:t>
+            </a:r>
+            <a:r>
+              <a:rPr lang="zh-CN" altLang="en-US" dirty="0"/>
+              <a:t> </a:t>
+            </a:r>
+            <a:endParaRPr lang="en-US" dirty="0"/>
+          </a:p>
+        </p:txBody>
+      </p:sp>
+    </p:spTree>
+    <p:extLst>
+      <p:ext uri="{BB962C8B-B14F-4D97-AF65-F5344CB8AC3E}">
+        <p14:creationId xmlns:p14="http://schemas.microsoft.com/office/powerpoint/2010/main" val="3376693520"/>
+      </p:ext>
+    </p:extLst>
+  </p:cSld>
+  <p:clrMapOvr>
+    <a:masterClrMapping/>
+  </p:clrMapOvr>
+</p:sld>
+</file>
+
+<file path=ppt/slides/slide17.xml><?xml version="1.0" encoding="utf-8"?>
+<p:sld xmlns:a="http://schemas.openxmlformats.org/drawingml/2006/main" xmlns:r="http://schemas.openxmlformats.org/officeDocument/2006/relationships" xmlns:p="http://schemas.openxmlformats.org/presentationml/2006/main">
+  <p:cSld>
+    <p:spTree>
+      <p:nvGrpSpPr>
+        <p:cNvPr id="1" name=""/>
+        <p:cNvGrpSpPr/>
+        <p:nvPr/>
+      </p:nvGrpSpPr>
+      <p:grpSpPr>
+        <a:xfrm>
+          <a:off x="0" y="0"/>
+          <a:ext cx="0" cy="0"/>
+          <a:chOff x="0" y="0"/>
+          <a:chExt cx="0" cy="0"/>
+        </a:xfrm>
+      </p:grpSpPr>
+      <p:sp>
+        <p:nvSpPr>
+          <p:cNvPr id="6" name="Title 5">
+            <a:extLst>
+              <a:ext uri="{FF2B5EF4-FFF2-40B4-BE49-F238E27FC236}">
+                <a16:creationId xmlns:a16="http://schemas.microsoft.com/office/drawing/2014/main" id="{8B84ABD3-6983-D44E-A021-81F9DF4C1139}"/>
+              </a:ext>
+            </a:extLst>
+          </p:cNvPr>
+          <p:cNvSpPr>
+            <a:spLocks noGrp="1"/>
+          </p:cNvSpPr>
+          <p:nvPr>
+            <p:ph type="title"/>
+          </p:nvPr>
+        </p:nvSpPr>
+        <p:spPr>
+          <a:xfrm>
+            <a:off x="838200" y="365125"/>
+            <a:ext cx="10436604" cy="700277"/>
+          </a:xfrm>
+        </p:spPr>
+        <p:txBody>
+          <a:bodyPr/>
+          <a:lstStyle/>
+          <a:p>
+            <a:r>
+              <a:rPr lang="en-US" dirty="0"/>
+              <a:t>Prediction:</a:t>
+            </a:r>
+            <a:r>
+              <a:rPr lang="zh-CN" altLang="en-US" dirty="0"/>
+              <a:t> </a:t>
+            </a:r>
+            <a:r>
+              <a:rPr lang="en-US" altLang="zh-CN" dirty="0"/>
+              <a:t>Get</a:t>
+            </a:r>
+            <a:r>
+              <a:rPr lang="zh-CN" altLang="en-US" dirty="0"/>
+              <a:t> </a:t>
+            </a:r>
+            <a:r>
+              <a:rPr lang="en-US" altLang="zh-CN" dirty="0"/>
+              <a:t>the</a:t>
+            </a:r>
+            <a:r>
+              <a:rPr lang="zh-CN" altLang="en-US" dirty="0"/>
+              <a:t> </a:t>
+            </a:r>
+            <a:r>
+              <a:rPr lang="en-US" altLang="zh-CN" dirty="0"/>
+              <a:t>result</a:t>
+            </a:r>
+            <a:endParaRPr lang="en-US" dirty="0"/>
+          </a:p>
+        </p:txBody>
+      </p:sp>
+      <p:sp>
+        <p:nvSpPr>
+          <p:cNvPr id="4" name="Rounded Rectangle 3">
+            <a:extLst>
+              <a:ext uri="{FF2B5EF4-FFF2-40B4-BE49-F238E27FC236}">
+                <a16:creationId xmlns:a16="http://schemas.microsoft.com/office/drawing/2014/main" id="{41D3F83A-FC87-9C4E-A5C1-4D597D6B4427}"/>
+              </a:ext>
+            </a:extLst>
+          </p:cNvPr>
+          <p:cNvSpPr/>
+          <p:nvPr/>
+        </p:nvSpPr>
+        <p:spPr>
+          <a:xfrm>
+            <a:off x="593103" y="2250649"/>
+            <a:ext cx="1649691" cy="2356702"/>
+          </a:xfrm>
+          <a:prstGeom prst="roundRect">
+            <a:avLst/>
+          </a:prstGeom>
+        </p:spPr>
+        <p:style>
+          <a:lnRef idx="2">
+            <a:schemeClr val="accent1">
+              <a:shade val="50000"/>
+            </a:schemeClr>
+          </a:lnRef>
+          <a:fillRef idx="1">
+            <a:schemeClr val="accent1"/>
+          </a:fillRef>
+          <a:effectRef idx="0">
+            <a:schemeClr val="accent1"/>
+          </a:effectRef>
+          <a:fontRef idx="minor">
+            <a:schemeClr val="lt1"/>
+          </a:fontRef>
+        </p:style>
+        <p:txBody>
+          <a:bodyPr rtlCol="0" anchor="ctr"/>
+          <a:lstStyle/>
+          <a:p>
+            <a:pPr algn="ctr"/>
+            <a:r>
+              <a:rPr lang="en-US" altLang="zh-CN" dirty="0"/>
+              <a:t>Input</a:t>
+            </a:r>
+            <a:r>
+              <a:rPr lang="zh-CN" altLang="en-US" dirty="0"/>
+              <a:t> </a:t>
+            </a:r>
+            <a:r>
+              <a:rPr lang="en-US" altLang="zh-CN" dirty="0"/>
+              <a:t>two</a:t>
+            </a:r>
+            <a:r>
+              <a:rPr lang="zh-CN" altLang="en-US" dirty="0"/>
+              <a:t> </a:t>
+            </a:r>
+            <a:r>
+              <a:rPr lang="en-US" altLang="zh-CN" dirty="0"/>
+              <a:t>team</a:t>
+            </a:r>
+            <a:r>
+              <a:rPr lang="zh-CN" altLang="en-US" dirty="0"/>
+              <a:t> </a:t>
+            </a:r>
+            <a:r>
+              <a:rPr lang="en-US" altLang="zh-CN" dirty="0"/>
+              <a:t>and</a:t>
+            </a:r>
+            <a:r>
+              <a:rPr lang="zh-CN" altLang="en-US" dirty="0"/>
+              <a:t> </a:t>
+            </a:r>
+            <a:r>
+              <a:rPr lang="en-US" altLang="zh-CN" dirty="0"/>
+              <a:t>their</a:t>
+            </a:r>
+            <a:r>
+              <a:rPr lang="zh-CN" altLang="en-US" dirty="0"/>
+              <a:t> </a:t>
+            </a:r>
+            <a:r>
+              <a:rPr lang="en-US" altLang="zh-CN" dirty="0"/>
+              <a:t>history</a:t>
+            </a:r>
+            <a:r>
+              <a:rPr lang="zh-CN" altLang="en-US" dirty="0"/>
+              <a:t> </a:t>
+            </a:r>
+            <a:r>
+              <a:rPr lang="en-US" altLang="zh-CN" dirty="0"/>
+              <a:t>game</a:t>
+            </a:r>
+            <a:r>
+              <a:rPr lang="zh-CN" altLang="en-US" dirty="0"/>
+              <a:t> </a:t>
+            </a:r>
+            <a:r>
+              <a:rPr lang="en-US" altLang="zh-CN" dirty="0"/>
+              <a:t>records</a:t>
+            </a:r>
+          </a:p>
+        </p:txBody>
+      </p:sp>
+      <p:sp>
+        <p:nvSpPr>
+          <p:cNvPr id="5" name="Rounded Rectangle 4">
+            <a:extLst>
+              <a:ext uri="{FF2B5EF4-FFF2-40B4-BE49-F238E27FC236}">
+                <a16:creationId xmlns:a16="http://schemas.microsoft.com/office/drawing/2014/main" id="{E7A12D0E-5EF1-0644-955F-67E63A9A0978}"/>
+              </a:ext>
+            </a:extLst>
+          </p:cNvPr>
+          <p:cNvSpPr/>
+          <p:nvPr/>
+        </p:nvSpPr>
+        <p:spPr>
+          <a:xfrm>
+            <a:off x="3365872" y="1656760"/>
+            <a:ext cx="1649691" cy="3827283"/>
+          </a:xfrm>
+          <a:prstGeom prst="roundRect">
+            <a:avLst/>
+          </a:prstGeom>
+          <a:solidFill>
+            <a:srgbClr val="00B0F0"/>
+          </a:solidFill>
+        </p:spPr>
+        <p:style>
+          <a:lnRef idx="2">
+            <a:schemeClr val="accent1">
+              <a:shade val="50000"/>
+            </a:schemeClr>
+          </a:lnRef>
+          <a:fillRef idx="1">
+            <a:schemeClr val="accent1"/>
+          </a:fillRef>
+          <a:effectRef idx="0">
+            <a:schemeClr val="accent1"/>
+          </a:effectRef>
+          <a:fontRef idx="minor">
+            <a:schemeClr val="lt1"/>
+          </a:fontRef>
+        </p:style>
+        <p:txBody>
+          <a:bodyPr rtlCol="0" anchor="ctr"/>
+          <a:lstStyle/>
+          <a:p>
+            <a:pPr algn="ctr"/>
+            <a:r>
+              <a:rPr lang="en-US" dirty="0"/>
+              <a:t>Get the true performance</a:t>
+            </a:r>
+          </a:p>
+        </p:txBody>
+      </p:sp>
+      <p:sp>
+        <p:nvSpPr>
+          <p:cNvPr id="7" name="Rounded Rectangle 6">
+            <a:extLst>
+              <a:ext uri="{FF2B5EF4-FFF2-40B4-BE49-F238E27FC236}">
+                <a16:creationId xmlns:a16="http://schemas.microsoft.com/office/drawing/2014/main" id="{6ABAE690-0E82-7E46-BF12-C7C300CCE76A}"/>
+              </a:ext>
+            </a:extLst>
+          </p:cNvPr>
+          <p:cNvSpPr/>
+          <p:nvPr/>
+        </p:nvSpPr>
+        <p:spPr>
+          <a:xfrm>
+            <a:off x="6056502" y="1656760"/>
+            <a:ext cx="1633979" cy="3874416"/>
+          </a:xfrm>
+          <a:prstGeom prst="roundRect">
+            <a:avLst/>
+          </a:prstGeom>
+          <a:solidFill>
+            <a:schemeClr val="accent1">
+              <a:lumMod val="60000"/>
+              <a:lumOff val="40000"/>
+            </a:schemeClr>
+          </a:solidFill>
+        </p:spPr>
+        <p:style>
+          <a:lnRef idx="2">
+            <a:schemeClr val="accent1">
+              <a:shade val="50000"/>
+            </a:schemeClr>
+          </a:lnRef>
+          <a:fillRef idx="1">
+            <a:schemeClr val="accent1"/>
+          </a:fillRef>
+          <a:effectRef idx="0">
+            <a:schemeClr val="accent1"/>
+          </a:effectRef>
+          <a:fontRef idx="minor">
+            <a:schemeClr val="lt1"/>
+          </a:fontRef>
+        </p:style>
+        <p:txBody>
+          <a:bodyPr rtlCol="0" anchor="ctr"/>
+          <a:lstStyle/>
+          <a:p>
+            <a:pPr algn="ctr"/>
+            <a:r>
+              <a:rPr lang="en-US" altLang="zh-CN" dirty="0"/>
+              <a:t>Get</a:t>
+            </a:r>
+            <a:r>
+              <a:rPr lang="zh-CN" altLang="en-US" dirty="0"/>
+              <a:t> </a:t>
+            </a:r>
+            <a:r>
+              <a:rPr lang="en-US" altLang="zh-CN" dirty="0"/>
+              <a:t>the</a:t>
+            </a:r>
+            <a:r>
+              <a:rPr lang="zh-CN" altLang="en-US" dirty="0"/>
+              <a:t> </a:t>
+            </a:r>
+            <a:r>
+              <a:rPr lang="en-US" altLang="zh-CN" dirty="0"/>
+              <a:t>best</a:t>
+            </a:r>
+            <a:r>
+              <a:rPr lang="zh-CN" altLang="en-US" dirty="0"/>
+              <a:t> </a:t>
+            </a:r>
+            <a:r>
+              <a:rPr lang="en-US" altLang="zh-CN" dirty="0"/>
+              <a:t>thresholds</a:t>
+            </a:r>
+            <a:endParaRPr lang="en-US" dirty="0"/>
+          </a:p>
+        </p:txBody>
+      </p:sp>
+      <p:sp>
+        <p:nvSpPr>
+          <p:cNvPr id="10" name="Rounded Rectangle 9">
+            <a:extLst>
+              <a:ext uri="{FF2B5EF4-FFF2-40B4-BE49-F238E27FC236}">
+                <a16:creationId xmlns:a16="http://schemas.microsoft.com/office/drawing/2014/main" id="{86AA8B96-9CB4-2448-8AD9-5CEE6A2A5ED1}"/>
+              </a:ext>
+            </a:extLst>
+          </p:cNvPr>
+          <p:cNvSpPr/>
+          <p:nvPr/>
+        </p:nvSpPr>
+        <p:spPr>
+          <a:xfrm>
+            <a:off x="8861196" y="1206631"/>
+            <a:ext cx="2507530" cy="450129"/>
+          </a:xfrm>
+          <a:prstGeom prst="roundRect">
+            <a:avLst/>
+          </a:prstGeom>
+          <a:solidFill>
+            <a:srgbClr val="FFC000"/>
+          </a:solidFill>
+        </p:spPr>
+        <p:style>
+          <a:lnRef idx="2">
+            <a:schemeClr val="accent1">
+              <a:shade val="50000"/>
+            </a:schemeClr>
+          </a:lnRef>
+          <a:fillRef idx="1">
+            <a:schemeClr val="accent1"/>
+          </a:fillRef>
+          <a:effectRef idx="0">
+            <a:schemeClr val="accent1"/>
+          </a:effectRef>
+          <a:fontRef idx="minor">
+            <a:schemeClr val="lt1"/>
+          </a:fontRef>
+        </p:style>
+        <p:txBody>
+          <a:bodyPr rtlCol="0" anchor="ctr"/>
+          <a:lstStyle/>
+          <a:p>
+            <a:pPr algn="ctr"/>
+            <a:r>
+              <a:rPr lang="en-US" altLang="zh-CN" dirty="0"/>
+              <a:t>P(win)</a:t>
+            </a:r>
+            <a:endParaRPr lang="en-US" dirty="0"/>
+          </a:p>
+        </p:txBody>
+      </p:sp>
+      <p:sp>
+        <p:nvSpPr>
+          <p:cNvPr id="11" name="Rounded Rectangle 10">
+            <a:extLst>
+              <a:ext uri="{FF2B5EF4-FFF2-40B4-BE49-F238E27FC236}">
+                <a16:creationId xmlns:a16="http://schemas.microsoft.com/office/drawing/2014/main" id="{FCBFE531-B12B-434E-ACD4-D060744E9308}"/>
+              </a:ext>
+            </a:extLst>
+          </p:cNvPr>
+          <p:cNvSpPr/>
+          <p:nvPr/>
+        </p:nvSpPr>
+        <p:spPr>
+          <a:xfrm>
+            <a:off x="8842342" y="3120272"/>
+            <a:ext cx="2507530" cy="450129"/>
+          </a:xfrm>
+          <a:prstGeom prst="roundRect">
+            <a:avLst/>
+          </a:prstGeom>
+          <a:solidFill>
+            <a:srgbClr val="92D050"/>
+          </a:solidFill>
+        </p:spPr>
+        <p:style>
+          <a:lnRef idx="2">
+            <a:schemeClr val="accent1">
+              <a:shade val="50000"/>
+            </a:schemeClr>
+          </a:lnRef>
+          <a:fillRef idx="1">
+            <a:schemeClr val="accent1"/>
+          </a:fillRef>
+          <a:effectRef idx="0">
+            <a:schemeClr val="accent1"/>
+          </a:effectRef>
+          <a:fontRef idx="minor">
+            <a:schemeClr val="lt1"/>
+          </a:fontRef>
+        </p:style>
+        <p:txBody>
+          <a:bodyPr rtlCol="0" anchor="ctr"/>
+          <a:lstStyle/>
+          <a:p>
+            <a:pPr algn="ctr"/>
+            <a:r>
+              <a:rPr lang="en-US" altLang="zh-CN" dirty="0"/>
+              <a:t>P(draw)</a:t>
+            </a:r>
+            <a:endParaRPr lang="en-US" dirty="0"/>
+          </a:p>
+        </p:txBody>
+      </p:sp>
+      <p:sp>
+        <p:nvSpPr>
+          <p:cNvPr id="12" name="Rounded Rectangle 11">
+            <a:extLst>
+              <a:ext uri="{FF2B5EF4-FFF2-40B4-BE49-F238E27FC236}">
+                <a16:creationId xmlns:a16="http://schemas.microsoft.com/office/drawing/2014/main" id="{FFDEDBA4-4387-3948-9AAC-D69C3F328DA9}"/>
+              </a:ext>
+            </a:extLst>
+          </p:cNvPr>
+          <p:cNvSpPr/>
+          <p:nvPr/>
+        </p:nvSpPr>
+        <p:spPr>
+          <a:xfrm>
+            <a:off x="8993170" y="5258978"/>
+            <a:ext cx="2507530" cy="450129"/>
+          </a:xfrm>
+          <a:prstGeom prst="roundRect">
+            <a:avLst/>
+          </a:prstGeom>
+          <a:solidFill>
+            <a:srgbClr val="0070C0"/>
+          </a:solidFill>
+        </p:spPr>
+        <p:style>
+          <a:lnRef idx="2">
+            <a:schemeClr val="accent1">
+              <a:shade val="50000"/>
+            </a:schemeClr>
+          </a:lnRef>
+          <a:fillRef idx="1">
+            <a:schemeClr val="accent1"/>
+          </a:fillRef>
+          <a:effectRef idx="0">
+            <a:schemeClr val="accent1"/>
+          </a:effectRef>
+          <a:fontRef idx="minor">
+            <a:schemeClr val="lt1"/>
+          </a:fontRef>
+        </p:style>
+        <p:txBody>
+          <a:bodyPr rtlCol="0" anchor="ctr"/>
+          <a:lstStyle/>
+          <a:p>
+            <a:pPr algn="ctr"/>
+            <a:r>
+              <a:rPr lang="en-US" altLang="zh-CN"/>
+              <a:t>P(lose)</a:t>
+            </a:r>
+            <a:endParaRPr lang="en-US" dirty="0"/>
+          </a:p>
+        </p:txBody>
+      </p:sp>
+      <p:sp>
+        <p:nvSpPr>
+          <p:cNvPr id="13" name="Right Arrow 12">
+            <a:extLst>
+              <a:ext uri="{FF2B5EF4-FFF2-40B4-BE49-F238E27FC236}">
+                <a16:creationId xmlns:a16="http://schemas.microsoft.com/office/drawing/2014/main" id="{F0C3379B-2349-374F-A915-2EC8FA9D4B37}"/>
+              </a:ext>
+            </a:extLst>
+          </p:cNvPr>
+          <p:cNvSpPr/>
+          <p:nvPr/>
+        </p:nvSpPr>
+        <p:spPr>
+          <a:xfrm>
+            <a:off x="2460396" y="3186260"/>
+            <a:ext cx="669303" cy="509047"/>
+          </a:xfrm>
+          <a:prstGeom prst="rightArrow">
+            <a:avLst/>
+          </a:prstGeom>
+        </p:spPr>
+        <p:style>
+          <a:lnRef idx="2">
+            <a:schemeClr val="accent1">
+              <a:shade val="50000"/>
+            </a:schemeClr>
+          </a:lnRef>
+          <a:fillRef idx="1">
+            <a:schemeClr val="accent1"/>
+          </a:fillRef>
+          <a:effectRef idx="0">
+            <a:schemeClr val="accent1"/>
+          </a:effectRef>
+          <a:fontRef idx="minor">
+            <a:schemeClr val="lt1"/>
+          </a:fontRef>
+        </p:style>
+        <p:txBody>
+          <a:bodyPr rtlCol="0" anchor="ctr"/>
+          <a:lstStyle/>
+          <a:p>
+            <a:pPr algn="ctr"/>
+            <a:endParaRPr lang="en-US"/>
+          </a:p>
+        </p:txBody>
+      </p:sp>
+      <p:sp>
+        <p:nvSpPr>
+          <p:cNvPr id="14" name="Right Arrow 13">
+            <a:extLst>
+              <a:ext uri="{FF2B5EF4-FFF2-40B4-BE49-F238E27FC236}">
+                <a16:creationId xmlns:a16="http://schemas.microsoft.com/office/drawing/2014/main" id="{EFCDEE10-F385-CE47-82B8-DFD9FF507CE5}"/>
+              </a:ext>
+            </a:extLst>
+          </p:cNvPr>
+          <p:cNvSpPr/>
+          <p:nvPr/>
+        </p:nvSpPr>
+        <p:spPr>
+          <a:xfrm>
+            <a:off x="5251736" y="3269921"/>
+            <a:ext cx="616057" cy="425386"/>
+          </a:xfrm>
+          <a:prstGeom prst="rightArrow">
+            <a:avLst/>
+          </a:prstGeom>
+          <a:solidFill>
+            <a:schemeClr val="accent1">
+              <a:lumMod val="40000"/>
+              <a:lumOff val="60000"/>
+            </a:schemeClr>
+          </a:solidFill>
+        </p:spPr>
+        <p:style>
+          <a:lnRef idx="2">
+            <a:schemeClr val="accent1">
+              <a:shade val="50000"/>
+            </a:schemeClr>
+          </a:lnRef>
+          <a:fillRef idx="1">
+            <a:schemeClr val="accent1"/>
+          </a:fillRef>
+          <a:effectRef idx="0">
+            <a:schemeClr val="accent1"/>
+          </a:effectRef>
+          <a:fontRef idx="minor">
+            <a:schemeClr val="lt1"/>
+          </a:fontRef>
+        </p:style>
+        <p:txBody>
+          <a:bodyPr rtlCol="0" anchor="ctr"/>
+          <a:lstStyle/>
+          <a:p>
+            <a:pPr algn="ctr"/>
+            <a:endParaRPr lang="en-US"/>
+          </a:p>
+        </p:txBody>
+      </p:sp>
+      <p:sp>
+        <p:nvSpPr>
+          <p:cNvPr id="15" name="Right Arrow 14">
+            <a:extLst>
+              <a:ext uri="{FF2B5EF4-FFF2-40B4-BE49-F238E27FC236}">
+                <a16:creationId xmlns:a16="http://schemas.microsoft.com/office/drawing/2014/main" id="{DA5C8782-DC27-3549-86FF-FB73AE34B25D}"/>
+              </a:ext>
+            </a:extLst>
+          </p:cNvPr>
+          <p:cNvSpPr/>
+          <p:nvPr/>
+        </p:nvSpPr>
+        <p:spPr>
+          <a:xfrm rot="18895105">
+            <a:off x="7990228" y="1987374"/>
+            <a:ext cx="665486" cy="360576"/>
+          </a:xfrm>
+          <a:prstGeom prst="rightArrow">
+            <a:avLst/>
+          </a:prstGeom>
+        </p:spPr>
+        <p:style>
+          <a:lnRef idx="2">
+            <a:schemeClr val="accent1">
+              <a:shade val="50000"/>
+            </a:schemeClr>
+          </a:lnRef>
+          <a:fillRef idx="1">
+            <a:schemeClr val="accent1"/>
+          </a:fillRef>
+          <a:effectRef idx="0">
+            <a:schemeClr val="accent1"/>
+          </a:effectRef>
+          <a:fontRef idx="minor">
+            <a:schemeClr val="lt1"/>
+          </a:fontRef>
+        </p:style>
+        <p:txBody>
+          <a:bodyPr rtlCol="0" anchor="ctr"/>
+          <a:lstStyle/>
+          <a:p>
+            <a:pPr algn="ctr"/>
+            <a:endParaRPr lang="en-US" dirty="0"/>
+          </a:p>
+        </p:txBody>
+      </p:sp>
+      <p:sp>
+        <p:nvSpPr>
+          <p:cNvPr id="17" name="Right Arrow 16">
+            <a:extLst>
+              <a:ext uri="{FF2B5EF4-FFF2-40B4-BE49-F238E27FC236}">
+                <a16:creationId xmlns:a16="http://schemas.microsoft.com/office/drawing/2014/main" id="{0E24F8D3-4FEA-FB4C-B4C1-CCCF09EA04A7}"/>
+              </a:ext>
+            </a:extLst>
+          </p:cNvPr>
+          <p:cNvSpPr/>
+          <p:nvPr/>
+        </p:nvSpPr>
+        <p:spPr>
+          <a:xfrm>
+            <a:off x="7960357" y="3165048"/>
+            <a:ext cx="665486" cy="360576"/>
+          </a:xfrm>
+          <a:prstGeom prst="rightArrow">
+            <a:avLst/>
+          </a:prstGeom>
+        </p:spPr>
+        <p:style>
+          <a:lnRef idx="2">
+            <a:schemeClr val="accent1">
+              <a:shade val="50000"/>
+            </a:schemeClr>
+          </a:lnRef>
+          <a:fillRef idx="1">
+            <a:schemeClr val="accent1"/>
+          </a:fillRef>
+          <a:effectRef idx="0">
+            <a:schemeClr val="accent1"/>
+          </a:effectRef>
+          <a:fontRef idx="minor">
+            <a:schemeClr val="lt1"/>
+          </a:fontRef>
+        </p:style>
+        <p:txBody>
+          <a:bodyPr rtlCol="0" anchor="ctr"/>
+          <a:lstStyle/>
+          <a:p>
+            <a:pPr algn="ctr"/>
+            <a:endParaRPr lang="en-US"/>
+          </a:p>
+        </p:txBody>
+      </p:sp>
+      <p:sp>
+        <p:nvSpPr>
+          <p:cNvPr id="18" name="Right Arrow 17">
+            <a:extLst>
+              <a:ext uri="{FF2B5EF4-FFF2-40B4-BE49-F238E27FC236}">
+                <a16:creationId xmlns:a16="http://schemas.microsoft.com/office/drawing/2014/main" id="{ED67DC90-C520-B84D-99D3-8A74F8D7191D}"/>
+              </a:ext>
+            </a:extLst>
+          </p:cNvPr>
+          <p:cNvSpPr/>
+          <p:nvPr/>
+        </p:nvSpPr>
+        <p:spPr>
+          <a:xfrm rot="1985842">
+            <a:off x="7960357" y="4607351"/>
+            <a:ext cx="665486" cy="360576"/>
+          </a:xfrm>
+          <a:prstGeom prst="rightArrow">
+            <a:avLst/>
+          </a:prstGeom>
+        </p:spPr>
+        <p:style>
+          <a:lnRef idx="2">
+            <a:schemeClr val="accent1">
+              <a:shade val="50000"/>
+            </a:schemeClr>
+          </a:lnRef>
+          <a:fillRef idx="1">
+            <a:schemeClr val="accent1"/>
+          </a:fillRef>
+          <a:effectRef idx="0">
+            <a:schemeClr val="accent1"/>
+          </a:effectRef>
+          <a:fontRef idx="minor">
+            <a:schemeClr val="lt1"/>
+          </a:fontRef>
+        </p:style>
+        <p:txBody>
+          <a:bodyPr rtlCol="0" anchor="ctr"/>
+          <a:lstStyle/>
+          <a:p>
+            <a:pPr algn="ctr"/>
+            <a:endParaRPr lang="en-US"/>
+          </a:p>
+        </p:txBody>
+      </p:sp>
+    </p:spTree>
+    <p:extLst>
+      <p:ext uri="{BB962C8B-B14F-4D97-AF65-F5344CB8AC3E}">
+        <p14:creationId xmlns:p14="http://schemas.microsoft.com/office/powerpoint/2010/main" val="2980046464"/>
+      </p:ext>
+    </p:extLst>
+  </p:cSld>
+  <p:clrMapOvr>
+    <a:masterClrMapping/>
+  </p:clrMapOvr>
+</p:sld>
+</file>
+
+<file path=ppt/slides/slide18.xml><?xml version="1.0" encoding="utf-8"?>
+<p:sld xmlns:a="http://schemas.openxmlformats.org/drawingml/2006/main" xmlns:r="http://schemas.openxmlformats.org/officeDocument/2006/relationships" xmlns:p="http://schemas.openxmlformats.org/presentationml/2006/main">
+  <p:cSld>
+    <p:spTree>
+      <p:nvGrpSpPr>
+        <p:cNvPr id="1" name=""/>
+        <p:cNvGrpSpPr/>
+        <p:nvPr/>
+      </p:nvGrpSpPr>
+      <p:grpSpPr>
+        <a:xfrm>
+          <a:off x="0" y="0"/>
+          <a:ext cx="0" cy="0"/>
+          <a:chOff x="0" y="0"/>
+          <a:chExt cx="0" cy="0"/>
+        </a:xfrm>
+      </p:grpSpPr>
       <p:sp>
         <p:nvSpPr>
           <p:cNvPr id="2" name="Title 1">
@@ -8148,7 +10813,7 @@
 </p:sld>
 </file>
 
-<file path=ppt/slides/slide15.xml><?xml version="1.0" encoding="utf-8"?>
+<file path=ppt/slides/slide19.xml><?xml version="1.0" encoding="utf-8"?>
 <p:sld xmlns:a="http://schemas.openxmlformats.org/drawingml/2006/main" xmlns:r="http://schemas.openxmlformats.org/officeDocument/2006/relationships" xmlns:p="http://schemas.openxmlformats.org/presentationml/2006/main">
   <p:cSld>
     <p:spTree>
